--- a/presentation/Batch 5_Team 5.pptx
+++ b/presentation/Batch 5_Team 5.pptx
@@ -130,6 +130,11 @@
       </a:defRPr>
     </a:lvl9pPr>
   </p:defaultTextStyle>
+  <p:extLst>
+    <p:ext uri="{EFAFB233-063F-42B5-8137-9DF3F51BA10A}">
+      <p15:sldGuideLst xmlns:p15="http://schemas.microsoft.com/office/powerpoint/2012/main"/>
+    </p:ext>
+  </p:extLst>
 </p:presentation>
 </file>
 
@@ -296,7 +301,7 @@
           <a:p>
             <a:fld id="{1160EA64-D806-43AC-9DF2-F8C432F32B4C}" type="datetimeFigureOut">
               <a:rPr lang="en-US" dirty="0"/>
-              <a:t>8/26/2023</a:t>
+              <a:t>8/28/2023</a:t>
             </a:fld>
             <a:endParaRPr lang="en-US" dirty="0"/>
           </a:p>
@@ -462,7 +467,7 @@
           <a:p>
             <a:fld id="{E9F9C37B-1D36-470B-8223-D6C91242EC14}" type="datetimeFigureOut">
               <a:rPr lang="en-US" dirty="0"/>
-              <a:t>8/26/2023</a:t>
+              <a:t>8/28/2023</a:t>
             </a:fld>
             <a:endParaRPr lang="en-US" dirty="0"/>
           </a:p>
@@ -637,7 +642,7 @@
           <a:p>
             <a:fld id="{67C6F52A-A82B-47A2-A83A-8C4C91F2D59F}" type="datetimeFigureOut">
               <a:rPr lang="en-US" dirty="0"/>
-              <a:t>8/26/2023</a:t>
+              <a:t>8/28/2023</a:t>
             </a:fld>
             <a:endParaRPr lang="en-US" dirty="0"/>
           </a:p>
@@ -802,7 +807,7 @@
           <a:p>
             <a:fld id="{F070A7B3-6521-4DCA-87E5-044747A908C1}" type="datetimeFigureOut">
               <a:rPr lang="en-US" dirty="0"/>
-              <a:t>8/26/2023</a:t>
+              <a:t>8/28/2023</a:t>
             </a:fld>
             <a:endParaRPr lang="en-US" dirty="0"/>
           </a:p>
@@ -1066,7 +1071,7 @@
           <a:p>
             <a:fld id="{1160EA64-D806-43AC-9DF2-F8C432F32B4C}" type="datetimeFigureOut">
               <a:rPr lang="en-US" dirty="0"/>
-              <a:t>8/26/2023</a:t>
+              <a:t>8/28/2023</a:t>
             </a:fld>
             <a:endParaRPr lang="en-US" dirty="0"/>
           </a:p>
@@ -1294,7 +1299,7 @@
           <a:p>
             <a:fld id="{AB134690-1557-4C89-A502-4959FE7FAD70}" type="datetimeFigureOut">
               <a:rPr lang="en-US" dirty="0"/>
-              <a:t>8/26/2023</a:t>
+              <a:t>8/28/2023</a:t>
             </a:fld>
             <a:endParaRPr lang="en-US" dirty="0"/>
           </a:p>
@@ -1648,7 +1653,7 @@
           <a:p>
             <a:fld id="{4F7D4976-E339-4826-83B7-FBD03F55ECF8}" type="datetimeFigureOut">
               <a:rPr lang="en-US" dirty="0"/>
-              <a:t>8/26/2023</a:t>
+              <a:t>8/28/2023</a:t>
             </a:fld>
             <a:endParaRPr lang="en-US" dirty="0"/>
           </a:p>
@@ -1784,7 +1789,7 @@
           <a:p>
             <a:fld id="{E1037C31-9E7A-4F99-8774-A0E530DE1A42}" type="datetimeFigureOut">
               <a:rPr lang="en-US" dirty="0"/>
-              <a:t>8/26/2023</a:t>
+              <a:t>8/28/2023</a:t>
             </a:fld>
             <a:endParaRPr lang="en-US" dirty="0"/>
           </a:p>
@@ -1874,7 +1879,7 @@
           <a:p>
             <a:fld id="{C278504F-A551-4DE0-9316-4DCD1D8CC752}" type="datetimeFigureOut">
               <a:rPr lang="en-US" dirty="0"/>
-              <a:t>8/26/2023</a:t>
+              <a:t>8/28/2023</a:t>
             </a:fld>
             <a:endParaRPr lang="en-US" dirty="0"/>
           </a:p>
@@ -2226,7 +2231,7 @@
           <a:p>
             <a:fld id="{D1BE4249-C0D0-4B06-8692-E8BB871AF643}" type="datetimeFigureOut">
               <a:rPr lang="en-US" dirty="0"/>
-              <a:t>8/26/2023</a:t>
+              <a:t>8/28/2023</a:t>
             </a:fld>
             <a:endParaRPr lang="en-US" dirty="0"/>
           </a:p>
@@ -2578,7 +2583,7 @@
           <a:p>
             <a:fld id="{042B0DB6-F5C7-45FB-8CF3-31B45F9C2DAC}" type="datetimeFigureOut">
               <a:rPr lang="en-US" dirty="0"/>
-              <a:t>8/26/2023</a:t>
+              <a:t>8/28/2023</a:t>
             </a:fld>
             <a:endParaRPr lang="en-US" dirty="0"/>
           </a:p>
@@ -2815,7 +2820,7 @@
           <a:p>
             <a:fld id="{1160EA64-D806-43AC-9DF2-F8C432F32B4C}" type="datetimeFigureOut">
               <a:rPr lang="en-US" dirty="0"/>
-              <a:t>8/26/2023</a:t>
+              <a:t>8/28/2023</a:t>
             </a:fld>
             <a:endParaRPr lang="en-US" dirty="0"/>
           </a:p>
@@ -4985,6 +4990,71 @@
           <a:chExt cx="0" cy="0"/>
         </a:xfrm>
       </p:grpSpPr>
+      <p:pic>
+        <p:nvPicPr>
+          <p:cNvPr id="3" name="Picture 2">
+            <a:extLst>
+              <a:ext uri="{FF2B5EF4-FFF2-40B4-BE49-F238E27FC236}">
+                <a16:creationId xmlns:a16="http://schemas.microsoft.com/office/drawing/2014/main" id="{E180C7F1-4063-D0B0-0B27-D8F1C13C8A0D}"/>
+              </a:ext>
+            </a:extLst>
+          </p:cNvPr>
+          <p:cNvPicPr>
+            <a:picLocks noChangeAspect="1"/>
+          </p:cNvPicPr>
+          <p:nvPr/>
+        </p:nvPicPr>
+        <p:blipFill>
+          <a:blip r:embed="rId2"/>
+          <a:stretch>
+            <a:fillRect/>
+          </a:stretch>
+        </p:blipFill>
+        <p:spPr>
+          <a:xfrm>
+            <a:off x="1840517" y="1053255"/>
+            <a:ext cx="8510966" cy="5804745"/>
+          </a:xfrm>
+          <a:prstGeom prst="rect">
+            <a:avLst/>
+          </a:prstGeom>
+        </p:spPr>
+      </p:pic>
+      <p:sp>
+        <p:nvSpPr>
+          <p:cNvPr id="4" name="TextBox 3">
+            <a:extLst>
+              <a:ext uri="{FF2B5EF4-FFF2-40B4-BE49-F238E27FC236}">
+                <a16:creationId xmlns:a16="http://schemas.microsoft.com/office/drawing/2014/main" id="{AC39D5BD-E3C7-ACC0-E47C-0CD1CE2683D5}"/>
+              </a:ext>
+            </a:extLst>
+          </p:cNvPr>
+          <p:cNvSpPr txBox="1"/>
+          <p:nvPr/>
+        </p:nvSpPr>
+        <p:spPr>
+          <a:xfrm>
+            <a:off x="1840517" y="395564"/>
+            <a:ext cx="5128591" cy="523220"/>
+          </a:xfrm>
+          <a:prstGeom prst="rect">
+            <a:avLst/>
+          </a:prstGeom>
+          <a:noFill/>
+        </p:spPr>
+        <p:txBody>
+          <a:bodyPr wrap="square" rtlCol="0">
+            <a:spAutoFit/>
+          </a:bodyPr>
+          <a:lstStyle/>
+          <a:p>
+            <a:r>
+              <a:rPr lang="en-IN" sz="2800" dirty="0"/>
+              <a:t>ER Diagram</a:t>
+            </a:r>
+          </a:p>
+        </p:txBody>
+      </p:sp>
     </p:spTree>
     <p:extLst>
       <p:ext uri="{BB962C8B-B14F-4D97-AF65-F5344CB8AC3E}">

--- a/presentation/Batch 5_Team 5.pptx
+++ b/presentation/Batch 5_Team 5.pptx
@@ -8,30 +8,21 @@
     <p:sldId id="256" r:id="rId2"/>
     <p:sldId id="257" r:id="rId3"/>
     <p:sldId id="258" r:id="rId4"/>
-    <p:sldId id="259" r:id="rId5"/>
-    <p:sldId id="260" r:id="rId6"/>
-    <p:sldId id="261" r:id="rId7"/>
-    <p:sldId id="262" r:id="rId8"/>
-    <p:sldId id="263" r:id="rId9"/>
-    <p:sldId id="264" r:id="rId10"/>
-    <p:sldId id="265" r:id="rId11"/>
-    <p:sldId id="266" r:id="rId12"/>
-    <p:sldId id="267" r:id="rId13"/>
-    <p:sldId id="268" r:id="rId14"/>
-    <p:sldId id="269" r:id="rId15"/>
-    <p:sldId id="270" r:id="rId16"/>
-    <p:sldId id="271" r:id="rId17"/>
-    <p:sldId id="272" r:id="rId18"/>
-    <p:sldId id="273" r:id="rId19"/>
-    <p:sldId id="274" r:id="rId20"/>
-    <p:sldId id="275" r:id="rId21"/>
-    <p:sldId id="276" r:id="rId22"/>
-    <p:sldId id="278" r:id="rId23"/>
-    <p:sldId id="280" r:id="rId24"/>
-    <p:sldId id="281" r:id="rId25"/>
-    <p:sldId id="282" r:id="rId26"/>
-    <p:sldId id="283" r:id="rId27"/>
-    <p:sldId id="284" r:id="rId28"/>
+    <p:sldId id="260" r:id="rId5"/>
+    <p:sldId id="261" r:id="rId6"/>
+    <p:sldId id="264" r:id="rId7"/>
+    <p:sldId id="266" r:id="rId8"/>
+    <p:sldId id="267" r:id="rId9"/>
+    <p:sldId id="268" r:id="rId10"/>
+    <p:sldId id="269" r:id="rId11"/>
+    <p:sldId id="270" r:id="rId12"/>
+    <p:sldId id="271" r:id="rId13"/>
+    <p:sldId id="272" r:id="rId14"/>
+    <p:sldId id="273" r:id="rId15"/>
+    <p:sldId id="275" r:id="rId16"/>
+    <p:sldId id="280" r:id="rId17"/>
+    <p:sldId id="282" r:id="rId18"/>
+    <p:sldId id="284" r:id="rId19"/>
   </p:sldIdLst>
   <p:sldSz cx="12192000" cy="6858000"/>
   <p:notesSz cx="6858000" cy="9144000"/>
@@ -301,7 +292,7 @@
           <a:p>
             <a:fld id="{1160EA64-D806-43AC-9DF2-F8C432F32B4C}" type="datetimeFigureOut">
               <a:rPr lang="en-US" dirty="0"/>
-              <a:t>8/28/2023</a:t>
+              <a:t>8/29/2023</a:t>
             </a:fld>
             <a:endParaRPr lang="en-US" dirty="0"/>
           </a:p>
@@ -467,7 +458,7 @@
           <a:p>
             <a:fld id="{E9F9C37B-1D36-470B-8223-D6C91242EC14}" type="datetimeFigureOut">
               <a:rPr lang="en-US" dirty="0"/>
-              <a:t>8/28/2023</a:t>
+              <a:t>8/29/2023</a:t>
             </a:fld>
             <a:endParaRPr lang="en-US" dirty="0"/>
           </a:p>
@@ -642,7 +633,7 @@
           <a:p>
             <a:fld id="{67C6F52A-A82B-47A2-A83A-8C4C91F2D59F}" type="datetimeFigureOut">
               <a:rPr lang="en-US" dirty="0"/>
-              <a:t>8/28/2023</a:t>
+              <a:t>8/29/2023</a:t>
             </a:fld>
             <a:endParaRPr lang="en-US" dirty="0"/>
           </a:p>
@@ -807,7 +798,7 @@
           <a:p>
             <a:fld id="{F070A7B3-6521-4DCA-87E5-044747A908C1}" type="datetimeFigureOut">
               <a:rPr lang="en-US" dirty="0"/>
-              <a:t>8/28/2023</a:t>
+              <a:t>8/29/2023</a:t>
             </a:fld>
             <a:endParaRPr lang="en-US" dirty="0"/>
           </a:p>
@@ -1071,7 +1062,7 @@
           <a:p>
             <a:fld id="{1160EA64-D806-43AC-9DF2-F8C432F32B4C}" type="datetimeFigureOut">
               <a:rPr lang="en-US" dirty="0"/>
-              <a:t>8/28/2023</a:t>
+              <a:t>8/29/2023</a:t>
             </a:fld>
             <a:endParaRPr lang="en-US" dirty="0"/>
           </a:p>
@@ -1299,7 +1290,7 @@
           <a:p>
             <a:fld id="{AB134690-1557-4C89-A502-4959FE7FAD70}" type="datetimeFigureOut">
               <a:rPr lang="en-US" dirty="0"/>
-              <a:t>8/28/2023</a:t>
+              <a:t>8/29/2023</a:t>
             </a:fld>
             <a:endParaRPr lang="en-US" dirty="0"/>
           </a:p>
@@ -1653,7 +1644,7 @@
           <a:p>
             <a:fld id="{4F7D4976-E339-4826-83B7-FBD03F55ECF8}" type="datetimeFigureOut">
               <a:rPr lang="en-US" dirty="0"/>
-              <a:t>8/28/2023</a:t>
+              <a:t>8/29/2023</a:t>
             </a:fld>
             <a:endParaRPr lang="en-US" dirty="0"/>
           </a:p>
@@ -1789,7 +1780,7 @@
           <a:p>
             <a:fld id="{E1037C31-9E7A-4F99-8774-A0E530DE1A42}" type="datetimeFigureOut">
               <a:rPr lang="en-US" dirty="0"/>
-              <a:t>8/28/2023</a:t>
+              <a:t>8/29/2023</a:t>
             </a:fld>
             <a:endParaRPr lang="en-US" dirty="0"/>
           </a:p>
@@ -1879,7 +1870,7 @@
           <a:p>
             <a:fld id="{C278504F-A551-4DE0-9316-4DCD1D8CC752}" type="datetimeFigureOut">
               <a:rPr lang="en-US" dirty="0"/>
-              <a:t>8/28/2023</a:t>
+              <a:t>8/29/2023</a:t>
             </a:fld>
             <a:endParaRPr lang="en-US" dirty="0"/>
           </a:p>
@@ -2231,7 +2222,7 @@
           <a:p>
             <a:fld id="{D1BE4249-C0D0-4B06-8692-E8BB871AF643}" type="datetimeFigureOut">
               <a:rPr lang="en-US" dirty="0"/>
-              <a:t>8/28/2023</a:t>
+              <a:t>8/29/2023</a:t>
             </a:fld>
             <a:endParaRPr lang="en-US" dirty="0"/>
           </a:p>
@@ -2583,7 +2574,7 @@
           <a:p>
             <a:fld id="{042B0DB6-F5C7-45FB-8CF3-31B45F9C2DAC}" type="datetimeFigureOut">
               <a:rPr lang="en-US" dirty="0"/>
-              <a:t>8/28/2023</a:t>
+              <a:t>8/29/2023</a:t>
             </a:fld>
             <a:endParaRPr lang="en-US" dirty="0"/>
           </a:p>
@@ -2820,7 +2811,7 @@
           <a:p>
             <a:fld id="{1160EA64-D806-43AC-9DF2-F8C432F32B4C}" type="datetimeFigureOut">
               <a:rPr lang="en-US" dirty="0"/>
-              <a:t>8/28/2023</a:t>
+              <a:t>8/29/2023</a:t>
             </a:fld>
             <a:endParaRPr lang="en-US" dirty="0"/>
           </a:p>
@@ -3360,7 +3351,7 @@
           <p:cNvPr id="5" name="Picture 4">
             <a:extLst>
               <a:ext uri="{FF2B5EF4-FFF2-40B4-BE49-F238E27FC236}">
-                <a16:creationId xmlns:a16="http://schemas.microsoft.com/office/drawing/2014/main" id="{C4978953-C9A6-4190-88FF-A640589926EB}"/>
+                <a16:creationId xmlns:a16="http://schemas.microsoft.com/office/drawing/2014/main" id="{B7269321-DC19-4F0F-97FA-4E05938EA914}"/>
               </a:ext>
             </a:extLst>
           </p:cNvPr>
@@ -3377,8 +3368,38 @@
         </p:blipFill>
         <p:spPr>
           <a:xfrm>
-            <a:off x="795129" y="-1"/>
-            <a:ext cx="9369287" cy="8150088"/>
+            <a:off x="1090611" y="1189382"/>
+            <a:ext cx="4316276" cy="4479235"/>
+          </a:xfrm>
+          <a:prstGeom prst="rect">
+            <a:avLst/>
+          </a:prstGeom>
+        </p:spPr>
+      </p:pic>
+      <p:pic>
+        <p:nvPicPr>
+          <p:cNvPr id="7" name="Picture 6">
+            <a:extLst>
+              <a:ext uri="{FF2B5EF4-FFF2-40B4-BE49-F238E27FC236}">
+                <a16:creationId xmlns:a16="http://schemas.microsoft.com/office/drawing/2014/main" id="{95099241-03BA-483F-A473-2CC529E06E56}"/>
+              </a:ext>
+            </a:extLst>
+          </p:cNvPr>
+          <p:cNvPicPr>
+            <a:picLocks noChangeAspect="1"/>
+          </p:cNvPicPr>
+          <p:nvPr/>
+        </p:nvPicPr>
+        <p:blipFill>
+          <a:blip r:embed="rId3"/>
+          <a:stretch>
+            <a:fillRect/>
+          </a:stretch>
+        </p:blipFill>
+        <p:spPr>
+          <a:xfrm>
+            <a:off x="5906949" y="388247"/>
+            <a:ext cx="5675451" cy="5827023"/>
           </a:xfrm>
           <a:prstGeom prst="rect">
             <a:avLst/>
@@ -3388,7 +3409,7 @@
     </p:spTree>
     <p:extLst>
       <p:ext uri="{BB962C8B-B14F-4D97-AF65-F5344CB8AC3E}">
-        <p14:creationId xmlns:p14="http://schemas.microsoft.com/office/powerpoint/2010/main" val="890553969"/>
+        <p14:creationId xmlns:p14="http://schemas.microsoft.com/office/powerpoint/2010/main" val="2346643524"/>
       </p:ext>
     </p:extLst>
   </p:cSld>
@@ -3417,41 +3438,101 @@
       </p:grpSpPr>
       <p:sp>
         <p:nvSpPr>
-          <p:cNvPr id="2" name="Title 1">
+          <p:cNvPr id="4" name="TextBox 3">
             <a:extLst>
               <a:ext uri="{FF2B5EF4-FFF2-40B4-BE49-F238E27FC236}">
-                <a16:creationId xmlns:a16="http://schemas.microsoft.com/office/drawing/2014/main" id="{E9AD9C59-38CD-482A-A92E-B5AA4ECF11D8}"/>
+                <a16:creationId xmlns:a16="http://schemas.microsoft.com/office/drawing/2014/main" id="{88D85617-C030-4DF5-8872-755AFB3F53CB}"/>
               </a:ext>
             </a:extLst>
           </p:cNvPr>
-          <p:cNvSpPr>
-            <a:spLocks noGrp="1"/>
-          </p:cNvSpPr>
-          <p:nvPr>
-            <p:ph type="title"/>
-          </p:nvPr>
-        </p:nvSpPr>
-        <p:spPr>
-          <a:xfrm>
-            <a:off x="2231136" y="2488692"/>
-            <a:ext cx="7729728" cy="1188720"/>
-          </a:xfrm>
-        </p:spPr>
-        <p:txBody>
-          <a:bodyPr/>
-          <a:lstStyle/>
-          <a:p>
-            <a:r>
-              <a:rPr lang="en-IN" dirty="0"/>
-              <a:t>Major features implementation</a:t>
-            </a:r>
-          </a:p>
-        </p:txBody>
-      </p:sp>
+          <p:cNvSpPr txBox="1"/>
+          <p:nvPr/>
+        </p:nvSpPr>
+        <p:spPr>
+          <a:xfrm>
+            <a:off x="1736035" y="583096"/>
+            <a:ext cx="5128591" cy="523220"/>
+          </a:xfrm>
+          <a:prstGeom prst="rect">
+            <a:avLst/>
+          </a:prstGeom>
+          <a:noFill/>
+        </p:spPr>
+        <p:txBody>
+          <a:bodyPr wrap="square" rtlCol="0">
+            <a:spAutoFit/>
+          </a:bodyPr>
+          <a:lstStyle/>
+          <a:p>
+            <a:r>
+              <a:rPr lang="en-IN" sz="2800" dirty="0"/>
+              <a:t>Create Account</a:t>
+            </a:r>
+          </a:p>
+        </p:txBody>
+      </p:sp>
+      <p:pic>
+        <p:nvPicPr>
+          <p:cNvPr id="8" name="Picture 7">
+            <a:extLst>
+              <a:ext uri="{FF2B5EF4-FFF2-40B4-BE49-F238E27FC236}">
+                <a16:creationId xmlns:a16="http://schemas.microsoft.com/office/drawing/2014/main" id="{FA40BA33-D24C-4EA3-87B4-AD35C4D1ABFE}"/>
+              </a:ext>
+            </a:extLst>
+          </p:cNvPr>
+          <p:cNvPicPr>
+            <a:picLocks noChangeAspect="1"/>
+          </p:cNvPicPr>
+          <p:nvPr/>
+        </p:nvPicPr>
+        <p:blipFill rotWithShape="1">
+          <a:blip r:embed="rId2"/>
+          <a:srcRect r="5929"/>
+          <a:stretch/>
+        </p:blipFill>
+        <p:spPr>
+          <a:xfrm>
+            <a:off x="424070" y="1452769"/>
+            <a:ext cx="4982817" cy="2971800"/>
+          </a:xfrm>
+          <a:prstGeom prst="rect">
+            <a:avLst/>
+          </a:prstGeom>
+        </p:spPr>
+      </p:pic>
+      <p:pic>
+        <p:nvPicPr>
+          <p:cNvPr id="10" name="Picture 9">
+            <a:extLst>
+              <a:ext uri="{FF2B5EF4-FFF2-40B4-BE49-F238E27FC236}">
+                <a16:creationId xmlns:a16="http://schemas.microsoft.com/office/drawing/2014/main" id="{100A26A4-FB94-4620-8C54-B28A74D4A241}"/>
+              </a:ext>
+            </a:extLst>
+          </p:cNvPr>
+          <p:cNvPicPr>
+            <a:picLocks noChangeAspect="1"/>
+          </p:cNvPicPr>
+          <p:nvPr/>
+        </p:nvPicPr>
+        <p:blipFill rotWithShape="1">
+          <a:blip r:embed="rId3"/>
+          <a:srcRect r="6743"/>
+          <a:stretch/>
+        </p:blipFill>
+        <p:spPr>
+          <a:xfrm>
+            <a:off x="5777948" y="771731"/>
+            <a:ext cx="5897217" cy="5112234"/>
+          </a:xfrm>
+          <a:prstGeom prst="rect">
+            <a:avLst/>
+          </a:prstGeom>
+        </p:spPr>
+      </p:pic>
     </p:spTree>
     <p:extLst>
       <p:ext uri="{BB962C8B-B14F-4D97-AF65-F5344CB8AC3E}">
-        <p14:creationId xmlns:p14="http://schemas.microsoft.com/office/powerpoint/2010/main" val="4076990109"/>
+        <p14:creationId xmlns:p14="http://schemas.microsoft.com/office/powerpoint/2010/main" val="1878236016"/>
       </p:ext>
     </p:extLst>
   </p:cSld>
@@ -3478,6 +3559,1775 @@
           <a:chExt cx="0" cy="0"/>
         </a:xfrm>
       </p:grpSpPr>
+      <p:pic>
+        <p:nvPicPr>
+          <p:cNvPr id="5" name="Picture 4">
+            <a:extLst>
+              <a:ext uri="{FF2B5EF4-FFF2-40B4-BE49-F238E27FC236}">
+                <a16:creationId xmlns:a16="http://schemas.microsoft.com/office/drawing/2014/main" id="{B06B4041-4F0D-4E84-AF95-86E9477C8CF5}"/>
+              </a:ext>
+            </a:extLst>
+          </p:cNvPr>
+          <p:cNvPicPr>
+            <a:picLocks noChangeAspect="1"/>
+          </p:cNvPicPr>
+          <p:nvPr/>
+        </p:nvPicPr>
+        <p:blipFill rotWithShape="1">
+          <a:blip r:embed="rId2"/>
+          <a:srcRect r="12866"/>
+          <a:stretch/>
+        </p:blipFill>
+        <p:spPr>
+          <a:xfrm>
+            <a:off x="848553" y="647700"/>
+            <a:ext cx="4664351" cy="5562600"/>
+          </a:xfrm>
+          <a:prstGeom prst="rect">
+            <a:avLst/>
+          </a:prstGeom>
+        </p:spPr>
+      </p:pic>
+      <p:pic>
+        <p:nvPicPr>
+          <p:cNvPr id="7" name="Picture 6">
+            <a:extLst>
+              <a:ext uri="{FF2B5EF4-FFF2-40B4-BE49-F238E27FC236}">
+                <a16:creationId xmlns:a16="http://schemas.microsoft.com/office/drawing/2014/main" id="{84D95ECE-FA24-45AF-A6C5-1C39CE2C1F7C}"/>
+              </a:ext>
+            </a:extLst>
+          </p:cNvPr>
+          <p:cNvPicPr>
+            <a:picLocks noChangeAspect="1"/>
+          </p:cNvPicPr>
+          <p:nvPr/>
+        </p:nvPicPr>
+        <p:blipFill>
+          <a:blip r:embed="rId3"/>
+          <a:stretch>
+            <a:fillRect/>
+          </a:stretch>
+        </p:blipFill>
+        <p:spPr>
+          <a:xfrm>
+            <a:off x="6279253" y="647700"/>
+            <a:ext cx="4695825" cy="5572125"/>
+          </a:xfrm>
+          <a:prstGeom prst="rect">
+            <a:avLst/>
+          </a:prstGeom>
+        </p:spPr>
+      </p:pic>
+    </p:spTree>
+    <p:extLst>
+      <p:ext uri="{BB962C8B-B14F-4D97-AF65-F5344CB8AC3E}">
+        <p14:creationId xmlns:p14="http://schemas.microsoft.com/office/powerpoint/2010/main" val="3544237168"/>
+      </p:ext>
+    </p:extLst>
+  </p:cSld>
+  <p:clrMapOvr>
+    <a:masterClrMapping/>
+  </p:clrMapOvr>
+</p:sld>
+</file>
+
+<file path=ppt/slides/slide13.xml><?xml version="1.0" encoding="utf-8"?>
+<p:sld xmlns:a="http://schemas.openxmlformats.org/drawingml/2006/main" xmlns:r="http://schemas.openxmlformats.org/officeDocument/2006/relationships" xmlns:p="http://schemas.openxmlformats.org/presentationml/2006/main">
+  <p:cSld>
+    <p:spTree>
+      <p:nvGrpSpPr>
+        <p:cNvPr id="1" name=""/>
+        <p:cNvGrpSpPr/>
+        <p:nvPr/>
+      </p:nvGrpSpPr>
+      <p:grpSpPr>
+        <a:xfrm>
+          <a:off x="0" y="0"/>
+          <a:ext cx="0" cy="0"/>
+          <a:chOff x="0" y="0"/>
+          <a:chExt cx="0" cy="0"/>
+        </a:xfrm>
+      </p:grpSpPr>
+      <p:pic>
+        <p:nvPicPr>
+          <p:cNvPr id="5" name="Picture 4">
+            <a:extLst>
+              <a:ext uri="{FF2B5EF4-FFF2-40B4-BE49-F238E27FC236}">
+                <a16:creationId xmlns:a16="http://schemas.microsoft.com/office/drawing/2014/main" id="{E655280E-C660-4DC7-8581-3E3B294FAF08}"/>
+              </a:ext>
+            </a:extLst>
+          </p:cNvPr>
+          <p:cNvPicPr>
+            <a:picLocks noChangeAspect="1"/>
+          </p:cNvPicPr>
+          <p:nvPr/>
+        </p:nvPicPr>
+        <p:blipFill>
+          <a:blip r:embed="rId2"/>
+          <a:stretch>
+            <a:fillRect/>
+          </a:stretch>
+        </p:blipFill>
+        <p:spPr>
+          <a:xfrm>
+            <a:off x="1579700" y="329441"/>
+            <a:ext cx="8306422" cy="5795426"/>
+          </a:xfrm>
+          <a:prstGeom prst="rect">
+            <a:avLst/>
+          </a:prstGeom>
+        </p:spPr>
+      </p:pic>
+    </p:spTree>
+    <p:extLst>
+      <p:ext uri="{BB962C8B-B14F-4D97-AF65-F5344CB8AC3E}">
+        <p14:creationId xmlns:p14="http://schemas.microsoft.com/office/powerpoint/2010/main" val="745314557"/>
+      </p:ext>
+    </p:extLst>
+  </p:cSld>
+  <p:clrMapOvr>
+    <a:masterClrMapping/>
+  </p:clrMapOvr>
+</p:sld>
+</file>
+
+<file path=ppt/slides/slide14.xml><?xml version="1.0" encoding="utf-8"?>
+<p:sld xmlns:a="http://schemas.openxmlformats.org/drawingml/2006/main" xmlns:r="http://schemas.openxmlformats.org/officeDocument/2006/relationships" xmlns:p="http://schemas.openxmlformats.org/presentationml/2006/main">
+  <p:cSld>
+    <p:spTree>
+      <p:nvGrpSpPr>
+        <p:cNvPr id="1" name=""/>
+        <p:cNvGrpSpPr/>
+        <p:nvPr/>
+      </p:nvGrpSpPr>
+      <p:grpSpPr>
+        <a:xfrm>
+          <a:off x="0" y="0"/>
+          <a:ext cx="0" cy="0"/>
+          <a:chOff x="0" y="0"/>
+          <a:chExt cx="0" cy="0"/>
+        </a:xfrm>
+      </p:grpSpPr>
+      <p:sp>
+        <p:nvSpPr>
+          <p:cNvPr id="4" name="TextBox 3">
+            <a:extLst>
+              <a:ext uri="{FF2B5EF4-FFF2-40B4-BE49-F238E27FC236}">
+                <a16:creationId xmlns:a16="http://schemas.microsoft.com/office/drawing/2014/main" id="{C1DC46C5-6581-4DF8-BF06-294E0464394A}"/>
+              </a:ext>
+            </a:extLst>
+          </p:cNvPr>
+          <p:cNvSpPr txBox="1"/>
+          <p:nvPr/>
+        </p:nvSpPr>
+        <p:spPr>
+          <a:xfrm>
+            <a:off x="1736035" y="583096"/>
+            <a:ext cx="5128591" cy="523220"/>
+          </a:xfrm>
+          <a:prstGeom prst="rect">
+            <a:avLst/>
+          </a:prstGeom>
+          <a:noFill/>
+        </p:spPr>
+        <p:txBody>
+          <a:bodyPr wrap="square" rtlCol="0">
+            <a:spAutoFit/>
+          </a:bodyPr>
+          <a:lstStyle/>
+          <a:p>
+            <a:r>
+              <a:rPr lang="en-IN" sz="2800" dirty="0"/>
+              <a:t>Transactions</a:t>
+            </a:r>
+          </a:p>
+        </p:txBody>
+      </p:sp>
+      <p:pic>
+        <p:nvPicPr>
+          <p:cNvPr id="11" name="Picture 10">
+            <a:extLst>
+              <a:ext uri="{FF2B5EF4-FFF2-40B4-BE49-F238E27FC236}">
+                <a16:creationId xmlns:a16="http://schemas.microsoft.com/office/drawing/2014/main" id="{A6EC253D-017E-4822-8024-9C091B578716}"/>
+              </a:ext>
+            </a:extLst>
+          </p:cNvPr>
+          <p:cNvPicPr>
+            <a:picLocks noChangeAspect="1"/>
+          </p:cNvPicPr>
+          <p:nvPr/>
+        </p:nvPicPr>
+        <p:blipFill>
+          <a:blip r:embed="rId2"/>
+          <a:stretch>
+            <a:fillRect/>
+          </a:stretch>
+        </p:blipFill>
+        <p:spPr>
+          <a:xfrm>
+            <a:off x="751647" y="1499981"/>
+            <a:ext cx="4857750" cy="4229100"/>
+          </a:xfrm>
+          <a:prstGeom prst="rect">
+            <a:avLst/>
+          </a:prstGeom>
+        </p:spPr>
+      </p:pic>
+      <p:pic>
+        <p:nvPicPr>
+          <p:cNvPr id="5" name="Picture 4">
+            <a:extLst>
+              <a:ext uri="{FF2B5EF4-FFF2-40B4-BE49-F238E27FC236}">
+                <a16:creationId xmlns:a16="http://schemas.microsoft.com/office/drawing/2014/main" id="{DC6F9925-CC92-494E-A175-47472D3BCD0C}"/>
+              </a:ext>
+            </a:extLst>
+          </p:cNvPr>
+          <p:cNvPicPr>
+            <a:picLocks noChangeAspect="1"/>
+          </p:cNvPicPr>
+          <p:nvPr/>
+        </p:nvPicPr>
+        <p:blipFill>
+          <a:blip r:embed="rId3"/>
+          <a:stretch>
+            <a:fillRect/>
+          </a:stretch>
+        </p:blipFill>
+        <p:spPr>
+          <a:xfrm>
+            <a:off x="6373053" y="1499981"/>
+            <a:ext cx="5067300" cy="4314825"/>
+          </a:xfrm>
+          <a:prstGeom prst="rect">
+            <a:avLst/>
+          </a:prstGeom>
+        </p:spPr>
+      </p:pic>
+    </p:spTree>
+    <p:extLst>
+      <p:ext uri="{BB962C8B-B14F-4D97-AF65-F5344CB8AC3E}">
+        <p14:creationId xmlns:p14="http://schemas.microsoft.com/office/powerpoint/2010/main" val="631685118"/>
+      </p:ext>
+    </p:extLst>
+  </p:cSld>
+  <p:clrMapOvr>
+    <a:masterClrMapping/>
+  </p:clrMapOvr>
+</p:sld>
+</file>
+
+<file path=ppt/slides/slide15.xml><?xml version="1.0" encoding="utf-8"?>
+<p:sld xmlns:a="http://schemas.openxmlformats.org/drawingml/2006/main" xmlns:r="http://schemas.openxmlformats.org/officeDocument/2006/relationships" xmlns:p="http://schemas.openxmlformats.org/presentationml/2006/main">
+  <p:cSld>
+    <p:spTree>
+      <p:nvGrpSpPr>
+        <p:cNvPr id="1" name=""/>
+        <p:cNvGrpSpPr/>
+        <p:nvPr/>
+      </p:nvGrpSpPr>
+      <p:grpSpPr>
+        <a:xfrm>
+          <a:off x="0" y="0"/>
+          <a:ext cx="0" cy="0"/>
+          <a:chOff x="0" y="0"/>
+          <a:chExt cx="0" cy="0"/>
+        </a:xfrm>
+      </p:grpSpPr>
+      <p:pic>
+        <p:nvPicPr>
+          <p:cNvPr id="5" name="Picture 4">
+            <a:extLst>
+              <a:ext uri="{FF2B5EF4-FFF2-40B4-BE49-F238E27FC236}">
+                <a16:creationId xmlns:a16="http://schemas.microsoft.com/office/drawing/2014/main" id="{A9DE663D-A171-4662-8DD2-EE80CFDEB13C}"/>
+              </a:ext>
+            </a:extLst>
+          </p:cNvPr>
+          <p:cNvPicPr>
+            <a:picLocks noChangeAspect="1"/>
+          </p:cNvPicPr>
+          <p:nvPr/>
+        </p:nvPicPr>
+        <p:blipFill>
+          <a:blip r:embed="rId2"/>
+          <a:stretch>
+            <a:fillRect/>
+          </a:stretch>
+        </p:blipFill>
+        <p:spPr>
+          <a:xfrm>
+            <a:off x="1166192" y="423862"/>
+            <a:ext cx="9528312" cy="6010275"/>
+          </a:xfrm>
+          <a:prstGeom prst="rect">
+            <a:avLst/>
+          </a:prstGeom>
+        </p:spPr>
+      </p:pic>
+    </p:spTree>
+    <p:extLst>
+      <p:ext uri="{BB962C8B-B14F-4D97-AF65-F5344CB8AC3E}">
+        <p14:creationId xmlns:p14="http://schemas.microsoft.com/office/powerpoint/2010/main" val="968216620"/>
+      </p:ext>
+    </p:extLst>
+  </p:cSld>
+  <p:clrMapOvr>
+    <a:masterClrMapping/>
+  </p:clrMapOvr>
+</p:sld>
+</file>
+
+<file path=ppt/slides/slide16.xml><?xml version="1.0" encoding="utf-8"?>
+<p:sld xmlns:a="http://schemas.openxmlformats.org/drawingml/2006/main" xmlns:r="http://schemas.openxmlformats.org/officeDocument/2006/relationships" xmlns:p="http://schemas.openxmlformats.org/presentationml/2006/main">
+  <p:cSld>
+    <p:spTree>
+      <p:nvGrpSpPr>
+        <p:cNvPr id="1" name=""/>
+        <p:cNvGrpSpPr/>
+        <p:nvPr/>
+      </p:nvGrpSpPr>
+      <p:grpSpPr>
+        <a:xfrm>
+          <a:off x="0" y="0"/>
+          <a:ext cx="0" cy="0"/>
+          <a:chOff x="0" y="0"/>
+          <a:chExt cx="0" cy="0"/>
+        </a:xfrm>
+      </p:grpSpPr>
+      <p:sp>
+        <p:nvSpPr>
+          <p:cNvPr id="6" name="TextBox 5">
+            <a:extLst>
+              <a:ext uri="{FF2B5EF4-FFF2-40B4-BE49-F238E27FC236}">
+                <a16:creationId xmlns:a16="http://schemas.microsoft.com/office/drawing/2014/main" id="{9A8A89FC-79EA-46B8-9BDA-B0597C3E4850}"/>
+              </a:ext>
+            </a:extLst>
+          </p:cNvPr>
+          <p:cNvSpPr txBox="1"/>
+          <p:nvPr/>
+        </p:nvSpPr>
+        <p:spPr>
+          <a:xfrm>
+            <a:off x="1736035" y="583096"/>
+            <a:ext cx="5128591" cy="523220"/>
+          </a:xfrm>
+          <a:prstGeom prst="rect">
+            <a:avLst/>
+          </a:prstGeom>
+          <a:noFill/>
+        </p:spPr>
+        <p:txBody>
+          <a:bodyPr wrap="square" rtlCol="0">
+            <a:spAutoFit/>
+          </a:bodyPr>
+          <a:lstStyle/>
+          <a:p>
+            <a:r>
+              <a:rPr lang="en-IN" sz="2800" dirty="0"/>
+              <a:t>Suspend  Account</a:t>
+            </a:r>
+          </a:p>
+        </p:txBody>
+      </p:sp>
+      <p:pic>
+        <p:nvPicPr>
+          <p:cNvPr id="9" name="Picture 8">
+            <a:extLst>
+              <a:ext uri="{FF2B5EF4-FFF2-40B4-BE49-F238E27FC236}">
+                <a16:creationId xmlns:a16="http://schemas.microsoft.com/office/drawing/2014/main" id="{A3374EB1-3446-4E34-9094-6EA7655B654F}"/>
+              </a:ext>
+            </a:extLst>
+          </p:cNvPr>
+          <p:cNvPicPr>
+            <a:picLocks noChangeAspect="1"/>
+          </p:cNvPicPr>
+          <p:nvPr/>
+        </p:nvPicPr>
+        <p:blipFill rotWithShape="1">
+          <a:blip r:embed="rId2"/>
+          <a:srcRect r="9355" b="4885"/>
+          <a:stretch/>
+        </p:blipFill>
+        <p:spPr>
+          <a:xfrm>
+            <a:off x="967409" y="1888849"/>
+            <a:ext cx="5128591" cy="3080302"/>
+          </a:xfrm>
+          <a:prstGeom prst="rect">
+            <a:avLst/>
+          </a:prstGeom>
+        </p:spPr>
+      </p:pic>
+      <p:pic>
+        <p:nvPicPr>
+          <p:cNvPr id="5" name="Picture 4">
+            <a:extLst>
+              <a:ext uri="{FF2B5EF4-FFF2-40B4-BE49-F238E27FC236}">
+                <a16:creationId xmlns:a16="http://schemas.microsoft.com/office/drawing/2014/main" id="{D4901F21-F88E-4E04-AB75-218FC5BCBDA0}"/>
+              </a:ext>
+            </a:extLst>
+          </p:cNvPr>
+          <p:cNvPicPr>
+            <a:picLocks noChangeAspect="1"/>
+          </p:cNvPicPr>
+          <p:nvPr/>
+        </p:nvPicPr>
+        <p:blipFill>
+          <a:blip r:embed="rId3"/>
+          <a:stretch>
+            <a:fillRect/>
+          </a:stretch>
+        </p:blipFill>
+        <p:spPr>
+          <a:xfrm>
+            <a:off x="6321286" y="731769"/>
+            <a:ext cx="5698435" cy="5823300"/>
+          </a:xfrm>
+          <a:prstGeom prst="rect">
+            <a:avLst/>
+          </a:prstGeom>
+        </p:spPr>
+      </p:pic>
+    </p:spTree>
+    <p:extLst>
+      <p:ext uri="{BB962C8B-B14F-4D97-AF65-F5344CB8AC3E}">
+        <p14:creationId xmlns:p14="http://schemas.microsoft.com/office/powerpoint/2010/main" val="4114534561"/>
+      </p:ext>
+    </p:extLst>
+  </p:cSld>
+  <p:clrMapOvr>
+    <a:masterClrMapping/>
+  </p:clrMapOvr>
+</p:sld>
+</file>
+
+<file path=ppt/slides/slide17.xml><?xml version="1.0" encoding="utf-8"?>
+<p:sld xmlns:a="http://schemas.openxmlformats.org/drawingml/2006/main" xmlns:r="http://schemas.openxmlformats.org/officeDocument/2006/relationships" xmlns:p="http://schemas.openxmlformats.org/presentationml/2006/main">
+  <p:cSld>
+    <p:spTree>
+      <p:nvGrpSpPr>
+        <p:cNvPr id="1" name=""/>
+        <p:cNvGrpSpPr/>
+        <p:nvPr/>
+      </p:nvGrpSpPr>
+      <p:grpSpPr>
+        <a:xfrm>
+          <a:off x="0" y="0"/>
+          <a:ext cx="0" cy="0"/>
+          <a:chOff x="0" y="0"/>
+          <a:chExt cx="0" cy="0"/>
+        </a:xfrm>
+      </p:grpSpPr>
+      <p:sp>
+        <p:nvSpPr>
+          <p:cNvPr id="4" name="TextBox 3">
+            <a:extLst>
+              <a:ext uri="{FF2B5EF4-FFF2-40B4-BE49-F238E27FC236}">
+                <a16:creationId xmlns:a16="http://schemas.microsoft.com/office/drawing/2014/main" id="{1B7A1405-D063-452F-812A-C1EE7AD99455}"/>
+              </a:ext>
+            </a:extLst>
+          </p:cNvPr>
+          <p:cNvSpPr txBox="1"/>
+          <p:nvPr/>
+        </p:nvSpPr>
+        <p:spPr>
+          <a:xfrm>
+            <a:off x="1736035" y="583096"/>
+            <a:ext cx="5128591" cy="523220"/>
+          </a:xfrm>
+          <a:prstGeom prst="rect">
+            <a:avLst/>
+          </a:prstGeom>
+          <a:noFill/>
+        </p:spPr>
+        <p:txBody>
+          <a:bodyPr wrap="square" rtlCol="0">
+            <a:spAutoFit/>
+          </a:bodyPr>
+          <a:lstStyle/>
+          <a:p>
+            <a:r>
+              <a:rPr lang="en-IN" sz="2800" dirty="0"/>
+              <a:t> Activate Account</a:t>
+            </a:r>
+          </a:p>
+        </p:txBody>
+      </p:sp>
+      <p:pic>
+        <p:nvPicPr>
+          <p:cNvPr id="8" name="Picture 7">
+            <a:extLst>
+              <a:ext uri="{FF2B5EF4-FFF2-40B4-BE49-F238E27FC236}">
+                <a16:creationId xmlns:a16="http://schemas.microsoft.com/office/drawing/2014/main" id="{ABD5D57A-15A4-4865-99B1-B5E46D204B55}"/>
+              </a:ext>
+            </a:extLst>
+          </p:cNvPr>
+          <p:cNvPicPr>
+            <a:picLocks noChangeAspect="1"/>
+          </p:cNvPicPr>
+          <p:nvPr/>
+        </p:nvPicPr>
+        <p:blipFill rotWithShape="1">
+          <a:blip r:embed="rId2"/>
+          <a:srcRect r="9565"/>
+          <a:stretch/>
+        </p:blipFill>
+        <p:spPr>
+          <a:xfrm>
+            <a:off x="755373" y="1715743"/>
+            <a:ext cx="4823791" cy="3028950"/>
+          </a:xfrm>
+          <a:prstGeom prst="rect">
+            <a:avLst/>
+          </a:prstGeom>
+        </p:spPr>
+      </p:pic>
+      <p:pic>
+        <p:nvPicPr>
+          <p:cNvPr id="5" name="Picture 4">
+            <a:extLst>
+              <a:ext uri="{FF2B5EF4-FFF2-40B4-BE49-F238E27FC236}">
+                <a16:creationId xmlns:a16="http://schemas.microsoft.com/office/drawing/2014/main" id="{BD0F59E8-35B0-4365-A756-619726C68A48}"/>
+              </a:ext>
+            </a:extLst>
+          </p:cNvPr>
+          <p:cNvPicPr>
+            <a:picLocks noChangeAspect="1"/>
+          </p:cNvPicPr>
+          <p:nvPr/>
+        </p:nvPicPr>
+        <p:blipFill rotWithShape="1">
+          <a:blip r:embed="rId3"/>
+          <a:srcRect r="15065"/>
+          <a:stretch/>
+        </p:blipFill>
+        <p:spPr>
+          <a:xfrm>
+            <a:off x="5764696" y="818218"/>
+            <a:ext cx="6135756" cy="5221564"/>
+          </a:xfrm>
+          <a:prstGeom prst="rect">
+            <a:avLst/>
+          </a:prstGeom>
+        </p:spPr>
+      </p:pic>
+    </p:spTree>
+    <p:extLst>
+      <p:ext uri="{BB962C8B-B14F-4D97-AF65-F5344CB8AC3E}">
+        <p14:creationId xmlns:p14="http://schemas.microsoft.com/office/powerpoint/2010/main" val="931777821"/>
+      </p:ext>
+    </p:extLst>
+  </p:cSld>
+  <p:clrMapOvr>
+    <a:masterClrMapping/>
+  </p:clrMapOvr>
+</p:sld>
+</file>
+
+<file path=ppt/slides/slide18.xml><?xml version="1.0" encoding="utf-8"?>
+<p:sld xmlns:a="http://schemas.openxmlformats.org/drawingml/2006/main" xmlns:r="http://schemas.openxmlformats.org/officeDocument/2006/relationships" xmlns:p="http://schemas.openxmlformats.org/presentationml/2006/main">
+  <p:cSld>
+    <p:spTree>
+      <p:nvGrpSpPr>
+        <p:cNvPr id="1" name=""/>
+        <p:cNvGrpSpPr/>
+        <p:nvPr/>
+      </p:nvGrpSpPr>
+      <p:grpSpPr>
+        <a:xfrm>
+          <a:off x="0" y="0"/>
+          <a:ext cx="0" cy="0"/>
+          <a:chOff x="0" y="0"/>
+          <a:chExt cx="0" cy="0"/>
+        </a:xfrm>
+      </p:grpSpPr>
+      <p:pic>
+        <p:nvPicPr>
+          <p:cNvPr id="3" name="Picture 2">
+            <a:extLst>
+              <a:ext uri="{FF2B5EF4-FFF2-40B4-BE49-F238E27FC236}">
+                <a16:creationId xmlns:a16="http://schemas.microsoft.com/office/drawing/2014/main" id="{E180C7F1-4063-D0B0-0B27-D8F1C13C8A0D}"/>
+              </a:ext>
+            </a:extLst>
+          </p:cNvPr>
+          <p:cNvPicPr>
+            <a:picLocks noChangeAspect="1"/>
+          </p:cNvPicPr>
+          <p:nvPr/>
+        </p:nvPicPr>
+        <p:blipFill>
+          <a:blip r:embed="rId2"/>
+          <a:stretch>
+            <a:fillRect/>
+          </a:stretch>
+        </p:blipFill>
+        <p:spPr>
+          <a:xfrm>
+            <a:off x="1840517" y="1053255"/>
+            <a:ext cx="8510966" cy="5804745"/>
+          </a:xfrm>
+          <a:prstGeom prst="rect">
+            <a:avLst/>
+          </a:prstGeom>
+        </p:spPr>
+      </p:pic>
+      <p:sp>
+        <p:nvSpPr>
+          <p:cNvPr id="4" name="TextBox 3">
+            <a:extLst>
+              <a:ext uri="{FF2B5EF4-FFF2-40B4-BE49-F238E27FC236}">
+                <a16:creationId xmlns:a16="http://schemas.microsoft.com/office/drawing/2014/main" id="{AC39D5BD-E3C7-ACC0-E47C-0CD1CE2683D5}"/>
+              </a:ext>
+            </a:extLst>
+          </p:cNvPr>
+          <p:cNvSpPr txBox="1"/>
+          <p:nvPr/>
+        </p:nvSpPr>
+        <p:spPr>
+          <a:xfrm>
+            <a:off x="1840517" y="395564"/>
+            <a:ext cx="5128591" cy="523220"/>
+          </a:xfrm>
+          <a:prstGeom prst="rect">
+            <a:avLst/>
+          </a:prstGeom>
+          <a:noFill/>
+        </p:spPr>
+        <p:txBody>
+          <a:bodyPr wrap="square" rtlCol="0">
+            <a:spAutoFit/>
+          </a:bodyPr>
+          <a:lstStyle/>
+          <a:p>
+            <a:r>
+              <a:rPr lang="en-IN" sz="2800" dirty="0"/>
+              <a:t>ER Diagram</a:t>
+            </a:r>
+          </a:p>
+        </p:txBody>
+      </p:sp>
+    </p:spTree>
+    <p:extLst>
+      <p:ext uri="{BB962C8B-B14F-4D97-AF65-F5344CB8AC3E}">
+        <p14:creationId xmlns:p14="http://schemas.microsoft.com/office/powerpoint/2010/main" val="990906292"/>
+      </p:ext>
+    </p:extLst>
+  </p:cSld>
+  <p:clrMapOvr>
+    <a:masterClrMapping/>
+  </p:clrMapOvr>
+</p:sld>
+</file>
+
+<file path=ppt/slides/slide2.xml><?xml version="1.0" encoding="utf-8"?>
+<p:sld xmlns:a="http://schemas.openxmlformats.org/drawingml/2006/main" xmlns:r="http://schemas.openxmlformats.org/officeDocument/2006/relationships" xmlns:p="http://schemas.openxmlformats.org/presentationml/2006/main">
+  <p:cSld>
+    <p:spTree>
+      <p:nvGrpSpPr>
+        <p:cNvPr id="1" name=""/>
+        <p:cNvGrpSpPr/>
+        <p:nvPr/>
+      </p:nvGrpSpPr>
+      <p:grpSpPr>
+        <a:xfrm>
+          <a:off x="0" y="0"/>
+          <a:ext cx="0" cy="0"/>
+          <a:chOff x="0" y="0"/>
+          <a:chExt cx="0" cy="0"/>
+        </a:xfrm>
+      </p:grpSpPr>
+      <p:sp>
+        <p:nvSpPr>
+          <p:cNvPr id="2" name="Title 1">
+            <a:extLst>
+              <a:ext uri="{FF2B5EF4-FFF2-40B4-BE49-F238E27FC236}">
+                <a16:creationId xmlns:a16="http://schemas.microsoft.com/office/drawing/2014/main" id="{949C1839-FFC6-4F46-ACC7-22C8CCAD79B5}"/>
+              </a:ext>
+            </a:extLst>
+          </p:cNvPr>
+          <p:cNvSpPr>
+            <a:spLocks noGrp="1"/>
+          </p:cNvSpPr>
+          <p:nvPr>
+            <p:ph type="title"/>
+          </p:nvPr>
+        </p:nvSpPr>
+        <p:spPr>
+          <a:xfrm>
+            <a:off x="2231136" y="341840"/>
+            <a:ext cx="7729728" cy="479795"/>
+          </a:xfrm>
+        </p:spPr>
+        <p:txBody>
+          <a:bodyPr>
+            <a:normAutofit fontScale="90000"/>
+          </a:bodyPr>
+          <a:lstStyle/>
+          <a:p>
+            <a:r>
+              <a:rPr lang="en-IN" dirty="0"/>
+              <a:t>Project overview</a:t>
+            </a:r>
+          </a:p>
+        </p:txBody>
+      </p:sp>
+      <p:sp>
+        <p:nvSpPr>
+          <p:cNvPr id="4" name="TextBox 3">
+            <a:extLst>
+              <a:ext uri="{FF2B5EF4-FFF2-40B4-BE49-F238E27FC236}">
+                <a16:creationId xmlns:a16="http://schemas.microsoft.com/office/drawing/2014/main" id="{87D21E8B-92DA-419C-93F4-D9B1818EB7A0}"/>
+              </a:ext>
+            </a:extLst>
+          </p:cNvPr>
+          <p:cNvSpPr txBox="1"/>
+          <p:nvPr/>
+        </p:nvSpPr>
+        <p:spPr>
+          <a:xfrm>
+            <a:off x="2231136" y="1855304"/>
+            <a:ext cx="7729728" cy="2585323"/>
+          </a:xfrm>
+          <a:prstGeom prst="rect">
+            <a:avLst/>
+          </a:prstGeom>
+          <a:noFill/>
+        </p:spPr>
+        <p:txBody>
+          <a:bodyPr wrap="square" rtlCol="0">
+            <a:spAutoFit/>
+          </a:bodyPr>
+          <a:lstStyle/>
+          <a:p>
+            <a:r>
+              <a:rPr lang="en-IN" dirty="0"/>
+              <a:t>This is a banking application made using React Front-end and Java-Spring boot backend and MySQL database. Application allows the customer to register themselves, create accounts, withdraw/deposit money into accounts , transact money and view their current account’s balance. </a:t>
+            </a:r>
+          </a:p>
+          <a:p>
+            <a:endParaRPr lang="en-IN" dirty="0"/>
+          </a:p>
+          <a:p>
+            <a:r>
+              <a:rPr lang="en-IN" dirty="0"/>
+              <a:t>Apart from this , the app offers certain admin specific functionalities for bank employees who can register themselves, search for details of a particular account / customer , activate/suspend account of a particular customer, view the entire transaction history of a particular account or customer</a:t>
+            </a:r>
+          </a:p>
+        </p:txBody>
+      </p:sp>
+    </p:spTree>
+    <p:extLst>
+      <p:ext uri="{BB962C8B-B14F-4D97-AF65-F5344CB8AC3E}">
+        <p14:creationId xmlns:p14="http://schemas.microsoft.com/office/powerpoint/2010/main" val="3124996306"/>
+      </p:ext>
+    </p:extLst>
+  </p:cSld>
+  <p:clrMapOvr>
+    <a:masterClrMapping/>
+  </p:clrMapOvr>
+</p:sld>
+</file>
+
+<file path=ppt/slides/slide3.xml><?xml version="1.0" encoding="utf-8"?>
+<p:sld xmlns:a="http://schemas.openxmlformats.org/drawingml/2006/main" xmlns:r="http://schemas.openxmlformats.org/officeDocument/2006/relationships" xmlns:p="http://schemas.openxmlformats.org/presentationml/2006/main">
+  <p:cSld>
+    <p:spTree>
+      <p:nvGrpSpPr>
+        <p:cNvPr id="1" name=""/>
+        <p:cNvGrpSpPr/>
+        <p:nvPr/>
+      </p:nvGrpSpPr>
+      <p:grpSpPr>
+        <a:xfrm>
+          <a:off x="0" y="0"/>
+          <a:ext cx="0" cy="0"/>
+          <a:chOff x="0" y="0"/>
+          <a:chExt cx="0" cy="0"/>
+        </a:xfrm>
+      </p:grpSpPr>
+      <p:sp>
+        <p:nvSpPr>
+          <p:cNvPr id="2" name="Title 1">
+            <a:extLst>
+              <a:ext uri="{FF2B5EF4-FFF2-40B4-BE49-F238E27FC236}">
+                <a16:creationId xmlns:a16="http://schemas.microsoft.com/office/drawing/2014/main" id="{4615F51F-5B17-450C-A342-153B378CAEBC}"/>
+              </a:ext>
+            </a:extLst>
+          </p:cNvPr>
+          <p:cNvSpPr>
+            <a:spLocks noGrp="1"/>
+          </p:cNvSpPr>
+          <p:nvPr>
+            <p:ph type="title"/>
+          </p:nvPr>
+        </p:nvSpPr>
+        <p:spPr>
+          <a:xfrm>
+            <a:off x="2231136" y="156309"/>
+            <a:ext cx="7729728" cy="572560"/>
+          </a:xfrm>
+        </p:spPr>
+        <p:txBody>
+          <a:bodyPr>
+            <a:normAutofit fontScale="90000"/>
+          </a:bodyPr>
+          <a:lstStyle/>
+          <a:p>
+            <a:r>
+              <a:rPr lang="en-IN" dirty="0"/>
+              <a:t>Features</a:t>
+            </a:r>
+          </a:p>
+        </p:txBody>
+      </p:sp>
+      <p:sp>
+        <p:nvSpPr>
+          <p:cNvPr id="3" name="Content Placeholder 2">
+            <a:extLst>
+              <a:ext uri="{FF2B5EF4-FFF2-40B4-BE49-F238E27FC236}">
+                <a16:creationId xmlns:a16="http://schemas.microsoft.com/office/drawing/2014/main" id="{DDA54F75-3E22-4E7A-A04C-9E6A4429C89C}"/>
+              </a:ext>
+            </a:extLst>
+          </p:cNvPr>
+          <p:cNvSpPr>
+            <a:spLocks noGrp="1"/>
+          </p:cNvSpPr>
+          <p:nvPr>
+            <p:ph idx="1"/>
+          </p:nvPr>
+        </p:nvSpPr>
+        <p:spPr>
+          <a:xfrm>
+            <a:off x="2231136" y="2067340"/>
+            <a:ext cx="7729728" cy="4454566"/>
+          </a:xfrm>
+        </p:spPr>
+        <p:txBody>
+          <a:bodyPr/>
+          <a:lstStyle/>
+          <a:p>
+            <a:r>
+              <a:rPr lang="en-IN" dirty="0"/>
+              <a:t>Register customer</a:t>
+            </a:r>
+          </a:p>
+          <a:p>
+            <a:r>
+              <a:rPr lang="en-IN" dirty="0"/>
+              <a:t>Authentication with customer id and password</a:t>
+            </a:r>
+          </a:p>
+          <a:p>
+            <a:r>
+              <a:rPr lang="en-IN" dirty="0"/>
+              <a:t>Create account</a:t>
+            </a:r>
+          </a:p>
+          <a:p>
+            <a:r>
+              <a:rPr lang="en-IN" dirty="0"/>
+              <a:t>Withdraw / Deposit money</a:t>
+            </a:r>
+          </a:p>
+          <a:p>
+            <a:r>
+              <a:rPr lang="en-IN" dirty="0"/>
+              <a:t>Fund transfer between accounts</a:t>
+            </a:r>
+          </a:p>
+          <a:p>
+            <a:r>
+              <a:rPr lang="en-IN" dirty="0"/>
+              <a:t>View transaction history</a:t>
+            </a:r>
+          </a:p>
+          <a:p>
+            <a:r>
+              <a:rPr lang="en-IN" dirty="0"/>
+              <a:t>Check bank balance</a:t>
+            </a:r>
+          </a:p>
+          <a:p>
+            <a:r>
+              <a:rPr lang="en-IN" dirty="0"/>
+              <a:t>Add and update personal details</a:t>
+            </a:r>
+          </a:p>
+          <a:p>
+            <a:r>
+              <a:rPr lang="en-IN" dirty="0"/>
+              <a:t>Log out</a:t>
+            </a:r>
+          </a:p>
+          <a:p>
+            <a:pPr marL="0" indent="0">
+              <a:buNone/>
+            </a:pPr>
+            <a:endParaRPr lang="en-IN" dirty="0"/>
+          </a:p>
+        </p:txBody>
+      </p:sp>
+      <p:sp>
+        <p:nvSpPr>
+          <p:cNvPr id="4" name="TextBox 3">
+            <a:extLst>
+              <a:ext uri="{FF2B5EF4-FFF2-40B4-BE49-F238E27FC236}">
+                <a16:creationId xmlns:a16="http://schemas.microsoft.com/office/drawing/2014/main" id="{31CEB9A0-8291-4A41-BC1B-0340385B1870}"/>
+              </a:ext>
+            </a:extLst>
+          </p:cNvPr>
+          <p:cNvSpPr txBox="1"/>
+          <p:nvPr/>
+        </p:nvSpPr>
+        <p:spPr>
+          <a:xfrm>
+            <a:off x="2178127" y="1237242"/>
+            <a:ext cx="4439478" cy="523220"/>
+          </a:xfrm>
+          <a:prstGeom prst="rect">
+            <a:avLst/>
+          </a:prstGeom>
+          <a:noFill/>
+        </p:spPr>
+        <p:txBody>
+          <a:bodyPr wrap="square" rtlCol="0">
+            <a:spAutoFit/>
+          </a:bodyPr>
+          <a:lstStyle/>
+          <a:p>
+            <a:r>
+              <a:rPr lang="en-IN" sz="2800" dirty="0"/>
+              <a:t>Customer Dashboard</a:t>
+            </a:r>
+          </a:p>
+        </p:txBody>
+      </p:sp>
+    </p:spTree>
+    <p:extLst>
+      <p:ext uri="{BB962C8B-B14F-4D97-AF65-F5344CB8AC3E}">
+        <p14:creationId xmlns:p14="http://schemas.microsoft.com/office/powerpoint/2010/main" val="1421242348"/>
+      </p:ext>
+    </p:extLst>
+  </p:cSld>
+  <p:clrMapOvr>
+    <a:masterClrMapping/>
+  </p:clrMapOvr>
+</p:sld>
+</file>
+
+<file path=ppt/slides/slide4.xml><?xml version="1.0" encoding="utf-8"?>
+<p:sld xmlns:a="http://schemas.openxmlformats.org/drawingml/2006/main" xmlns:r="http://schemas.openxmlformats.org/officeDocument/2006/relationships" xmlns:p="http://schemas.openxmlformats.org/presentationml/2006/main">
+  <p:cSld>
+    <p:spTree>
+      <p:nvGrpSpPr>
+        <p:cNvPr id="1" name=""/>
+        <p:cNvGrpSpPr/>
+        <p:nvPr/>
+      </p:nvGrpSpPr>
+      <p:grpSpPr>
+        <a:xfrm>
+          <a:off x="0" y="0"/>
+          <a:ext cx="0" cy="0"/>
+          <a:chOff x="0" y="0"/>
+          <a:chExt cx="0" cy="0"/>
+        </a:xfrm>
+      </p:grpSpPr>
+      <p:sp>
+        <p:nvSpPr>
+          <p:cNvPr id="4" name="Content Placeholder 2">
+            <a:extLst>
+              <a:ext uri="{FF2B5EF4-FFF2-40B4-BE49-F238E27FC236}">
+                <a16:creationId xmlns:a16="http://schemas.microsoft.com/office/drawing/2014/main" id="{DBF3CD61-09DF-45A7-82D3-6456255DA385}"/>
+              </a:ext>
+            </a:extLst>
+          </p:cNvPr>
+          <p:cNvSpPr>
+            <a:spLocks noGrp="1"/>
+          </p:cNvSpPr>
+          <p:nvPr>
+            <p:ph idx="1"/>
+          </p:nvPr>
+        </p:nvSpPr>
+        <p:spPr>
+          <a:xfrm>
+            <a:off x="2231136" y="1537253"/>
+            <a:ext cx="7729728" cy="4454566"/>
+          </a:xfrm>
+        </p:spPr>
+        <p:txBody>
+          <a:bodyPr/>
+          <a:lstStyle/>
+          <a:p>
+            <a:r>
+              <a:rPr lang="en-IN" dirty="0"/>
+              <a:t>Register admin</a:t>
+            </a:r>
+          </a:p>
+          <a:p>
+            <a:r>
+              <a:rPr lang="en-IN" dirty="0"/>
+              <a:t>Authentication with admin id and password</a:t>
+            </a:r>
+          </a:p>
+          <a:p>
+            <a:r>
+              <a:rPr lang="en-IN" dirty="0"/>
+              <a:t>Create account for a specific user</a:t>
+            </a:r>
+          </a:p>
+          <a:p>
+            <a:r>
+              <a:rPr lang="en-IN" dirty="0"/>
+              <a:t>View all account details of a specific user</a:t>
+            </a:r>
+          </a:p>
+          <a:p>
+            <a:r>
+              <a:rPr lang="en-IN" dirty="0"/>
+              <a:t>View all transaction history of a given customer or account</a:t>
+            </a:r>
+          </a:p>
+          <a:p>
+            <a:r>
+              <a:rPr lang="en-IN" dirty="0"/>
+              <a:t>View the customer personal information</a:t>
+            </a:r>
+          </a:p>
+          <a:p>
+            <a:r>
+              <a:rPr lang="en-IN" dirty="0"/>
+              <a:t>Check bank balance of all customer’s accounts</a:t>
+            </a:r>
+          </a:p>
+          <a:p>
+            <a:r>
+              <a:rPr lang="en-IN" dirty="0"/>
+              <a:t>Activate or suspend a particular account </a:t>
+            </a:r>
+          </a:p>
+          <a:p>
+            <a:r>
+              <a:rPr lang="en-IN" dirty="0"/>
+              <a:t>Log out</a:t>
+            </a:r>
+          </a:p>
+          <a:p>
+            <a:pPr marL="0" indent="0">
+              <a:buNone/>
+            </a:pPr>
+            <a:endParaRPr lang="en-IN" dirty="0"/>
+          </a:p>
+        </p:txBody>
+      </p:sp>
+      <p:sp>
+        <p:nvSpPr>
+          <p:cNvPr id="5" name="TextBox 4">
+            <a:extLst>
+              <a:ext uri="{FF2B5EF4-FFF2-40B4-BE49-F238E27FC236}">
+                <a16:creationId xmlns:a16="http://schemas.microsoft.com/office/drawing/2014/main" id="{BD45DB42-B905-41F8-BB74-0B20122A97D3}"/>
+              </a:ext>
+            </a:extLst>
+          </p:cNvPr>
+          <p:cNvSpPr txBox="1"/>
+          <p:nvPr/>
+        </p:nvSpPr>
+        <p:spPr>
+          <a:xfrm>
+            <a:off x="2231136" y="450574"/>
+            <a:ext cx="4439478" cy="523220"/>
+          </a:xfrm>
+          <a:prstGeom prst="rect">
+            <a:avLst/>
+          </a:prstGeom>
+          <a:noFill/>
+        </p:spPr>
+        <p:txBody>
+          <a:bodyPr wrap="square" rtlCol="0">
+            <a:spAutoFit/>
+          </a:bodyPr>
+          <a:lstStyle/>
+          <a:p>
+            <a:r>
+              <a:rPr lang="en-IN" sz="2800" dirty="0"/>
+              <a:t>Admin Dashboard</a:t>
+            </a:r>
+          </a:p>
+        </p:txBody>
+      </p:sp>
+    </p:spTree>
+    <p:extLst>
+      <p:ext uri="{BB962C8B-B14F-4D97-AF65-F5344CB8AC3E}">
+        <p14:creationId xmlns:p14="http://schemas.microsoft.com/office/powerpoint/2010/main" val="995885575"/>
+      </p:ext>
+    </p:extLst>
+  </p:cSld>
+  <p:clrMapOvr>
+    <a:masterClrMapping/>
+  </p:clrMapOvr>
+</p:sld>
+</file>
+
+<file path=ppt/slides/slide5.xml><?xml version="1.0" encoding="utf-8"?>
+<p:sld xmlns:a="http://schemas.openxmlformats.org/drawingml/2006/main" xmlns:r="http://schemas.openxmlformats.org/officeDocument/2006/relationships" xmlns:p="http://schemas.openxmlformats.org/presentationml/2006/main">
+  <p:cSld>
+    <p:spTree>
+      <p:nvGrpSpPr>
+        <p:cNvPr id="1" name=""/>
+        <p:cNvGrpSpPr/>
+        <p:nvPr/>
+      </p:nvGrpSpPr>
+      <p:grpSpPr>
+        <a:xfrm>
+          <a:off x="0" y="0"/>
+          <a:ext cx="0" cy="0"/>
+          <a:chOff x="0" y="0"/>
+          <a:chExt cx="0" cy="0"/>
+        </a:xfrm>
+      </p:grpSpPr>
+      <p:sp>
+        <p:nvSpPr>
+          <p:cNvPr id="2" name="Title 1">
+            <a:extLst>
+              <a:ext uri="{FF2B5EF4-FFF2-40B4-BE49-F238E27FC236}">
+                <a16:creationId xmlns:a16="http://schemas.microsoft.com/office/drawing/2014/main" id="{FC163ADC-122A-42E5-A01A-900501C986D3}"/>
+              </a:ext>
+            </a:extLst>
+          </p:cNvPr>
+          <p:cNvSpPr>
+            <a:spLocks noGrp="1"/>
+          </p:cNvSpPr>
+          <p:nvPr>
+            <p:ph type="title"/>
+          </p:nvPr>
+        </p:nvSpPr>
+        <p:spPr>
+          <a:xfrm>
+            <a:off x="2376910" y="129805"/>
+            <a:ext cx="7729728" cy="440038"/>
+          </a:xfrm>
+        </p:spPr>
+        <p:txBody>
+          <a:bodyPr>
+            <a:normAutofit fontScale="90000"/>
+          </a:bodyPr>
+          <a:lstStyle/>
+          <a:p>
+            <a:r>
+              <a:rPr lang="en-IN" dirty="0"/>
+              <a:t>Tech Stack</a:t>
+            </a:r>
+          </a:p>
+        </p:txBody>
+      </p:sp>
+      <p:sp>
+        <p:nvSpPr>
+          <p:cNvPr id="3" name="Content Placeholder 2">
+            <a:extLst>
+              <a:ext uri="{FF2B5EF4-FFF2-40B4-BE49-F238E27FC236}">
+                <a16:creationId xmlns:a16="http://schemas.microsoft.com/office/drawing/2014/main" id="{A6C256DD-D7FC-4661-A22D-A5A4568C3523}"/>
+              </a:ext>
+            </a:extLst>
+          </p:cNvPr>
+          <p:cNvSpPr>
+            <a:spLocks noGrp="1"/>
+          </p:cNvSpPr>
+          <p:nvPr>
+            <p:ph idx="1"/>
+          </p:nvPr>
+        </p:nvSpPr>
+        <p:spPr>
+          <a:xfrm>
+            <a:off x="2231136" y="1537253"/>
+            <a:ext cx="7729728" cy="4454566"/>
+          </a:xfrm>
+        </p:spPr>
+        <p:txBody>
+          <a:bodyPr>
+            <a:normAutofit/>
+          </a:bodyPr>
+          <a:lstStyle/>
+          <a:p>
+            <a:r>
+              <a:rPr lang="en-IN" dirty="0"/>
+              <a:t>React </a:t>
+            </a:r>
+            <a:r>
+              <a:rPr lang="en-IN" dirty="0" err="1"/>
+              <a:t>js</a:t>
+            </a:r>
+            <a:endParaRPr lang="en-IN" dirty="0"/>
+          </a:p>
+          <a:p>
+            <a:r>
+              <a:rPr lang="en-IN" dirty="0" err="1"/>
+              <a:t>Axios</a:t>
+            </a:r>
+            <a:endParaRPr lang="en-IN" dirty="0"/>
+          </a:p>
+          <a:p>
+            <a:r>
+              <a:rPr lang="en-IN" dirty="0"/>
+              <a:t> Bootstrap</a:t>
+            </a:r>
+          </a:p>
+          <a:p>
+            <a:r>
+              <a:rPr lang="en-IN" dirty="0" err="1"/>
+              <a:t>Cdbreact</a:t>
+            </a:r>
+            <a:endParaRPr lang="en-IN" dirty="0"/>
+          </a:p>
+          <a:p>
+            <a:r>
+              <a:rPr lang="en-IN" dirty="0"/>
+              <a:t>Font-awesome</a:t>
+            </a:r>
+          </a:p>
+          <a:p>
+            <a:r>
+              <a:rPr lang="en-IN" dirty="0"/>
+              <a:t>React sweet alerts</a:t>
+            </a:r>
+          </a:p>
+          <a:p>
+            <a:r>
+              <a:rPr lang="en-IN" dirty="0"/>
+              <a:t>React router </a:t>
+            </a:r>
+            <a:r>
+              <a:rPr lang="en-IN" dirty="0" err="1"/>
+              <a:t>dom</a:t>
+            </a:r>
+            <a:endParaRPr lang="en-IN" dirty="0"/>
+          </a:p>
+          <a:p>
+            <a:r>
+              <a:rPr lang="en-IN" dirty="0"/>
+              <a:t>React hook form</a:t>
+            </a:r>
+          </a:p>
+          <a:p>
+            <a:r>
+              <a:rPr lang="en-IN" dirty="0"/>
+              <a:t>React select</a:t>
+            </a:r>
+          </a:p>
+        </p:txBody>
+      </p:sp>
+      <p:sp>
+        <p:nvSpPr>
+          <p:cNvPr id="4" name="TextBox 3">
+            <a:extLst>
+              <a:ext uri="{FF2B5EF4-FFF2-40B4-BE49-F238E27FC236}">
+                <a16:creationId xmlns:a16="http://schemas.microsoft.com/office/drawing/2014/main" id="{BEB198ED-EAED-4D04-A905-FF8765BD58D5}"/>
+              </a:ext>
+            </a:extLst>
+          </p:cNvPr>
+          <p:cNvSpPr txBox="1"/>
+          <p:nvPr/>
+        </p:nvSpPr>
+        <p:spPr>
+          <a:xfrm>
+            <a:off x="2231136" y="848381"/>
+            <a:ext cx="4439478" cy="523220"/>
+          </a:xfrm>
+          <a:prstGeom prst="rect">
+            <a:avLst/>
+          </a:prstGeom>
+          <a:noFill/>
+        </p:spPr>
+        <p:txBody>
+          <a:bodyPr wrap="square" rtlCol="0">
+            <a:spAutoFit/>
+          </a:bodyPr>
+          <a:lstStyle/>
+          <a:p>
+            <a:r>
+              <a:rPr lang="en-IN" sz="2800" dirty="0"/>
+              <a:t>Frontend</a:t>
+            </a:r>
+          </a:p>
+        </p:txBody>
+      </p:sp>
+      <p:sp>
+        <p:nvSpPr>
+          <p:cNvPr id="5" name="Content Placeholder 2">
+            <a:extLst>
+              <a:ext uri="{FF2B5EF4-FFF2-40B4-BE49-F238E27FC236}">
+                <a16:creationId xmlns:a16="http://schemas.microsoft.com/office/drawing/2014/main" id="{77941C66-4640-431A-A235-577F4E222186}"/>
+              </a:ext>
+            </a:extLst>
+          </p:cNvPr>
+          <p:cNvSpPr txBox="1">
+            <a:spLocks/>
+          </p:cNvSpPr>
+          <p:nvPr/>
+        </p:nvSpPr>
+        <p:spPr>
+          <a:xfrm>
+            <a:off x="7924800" y="1371601"/>
+            <a:ext cx="2758307" cy="4454566"/>
+          </a:xfrm>
+          <a:prstGeom prst="rect">
+            <a:avLst/>
+          </a:prstGeom>
+        </p:spPr>
+        <p:txBody>
+          <a:bodyPr vert="horz" lIns="91440" tIns="45720" rIns="91440" bIns="45720" rtlCol="0">
+            <a:normAutofit/>
+          </a:bodyPr>
+          <a:lstStyle>
+            <a:lvl1pPr marL="228600" indent="-228600" algn="l" defTabSz="914400" rtl="0" eaLnBrk="1" latinLnBrk="0" hangingPunct="1">
+              <a:lnSpc>
+                <a:spcPct val="100000"/>
+              </a:lnSpc>
+              <a:spcBef>
+                <a:spcPts val="1000"/>
+              </a:spcBef>
+              <a:buClr>
+                <a:schemeClr val="accent2"/>
+              </a:buClr>
+              <a:buFont typeface="Arial" panose="020B0604020202020204" pitchFamily="34" charset="0"/>
+              <a:buChar char="•"/>
+              <a:defRPr sz="1800" kern="1200">
+                <a:solidFill>
+                  <a:schemeClr val="tx1">
+                    <a:lumMod val="85000"/>
+                    <a:lumOff val="15000"/>
+                  </a:schemeClr>
+                </a:solidFill>
+                <a:latin typeface="+mn-lt"/>
+                <a:ea typeface="+mn-ea"/>
+                <a:cs typeface="+mn-cs"/>
+              </a:defRPr>
+            </a:lvl1pPr>
+            <a:lvl2pPr marL="457200" indent="-228600" algn="l" defTabSz="914400" rtl="0" eaLnBrk="1" latinLnBrk="0" hangingPunct="1">
+              <a:lnSpc>
+                <a:spcPct val="100000"/>
+              </a:lnSpc>
+              <a:spcBef>
+                <a:spcPts val="1000"/>
+              </a:spcBef>
+              <a:buClr>
+                <a:schemeClr val="accent2"/>
+              </a:buClr>
+              <a:buFont typeface="Arial" panose="020B0604020202020204" pitchFamily="34" charset="0"/>
+              <a:buChar char="•"/>
+              <a:defRPr sz="1600" kern="1200">
+                <a:solidFill>
+                  <a:schemeClr val="tx1">
+                    <a:lumMod val="85000"/>
+                    <a:lumOff val="15000"/>
+                  </a:schemeClr>
+                </a:solidFill>
+                <a:latin typeface="+mn-lt"/>
+                <a:ea typeface="+mn-ea"/>
+                <a:cs typeface="+mn-cs"/>
+              </a:defRPr>
+            </a:lvl2pPr>
+            <a:lvl3pPr marL="685800" indent="-228600" algn="l" defTabSz="914400" rtl="0" eaLnBrk="1" latinLnBrk="0" hangingPunct="1">
+              <a:lnSpc>
+                <a:spcPct val="100000"/>
+              </a:lnSpc>
+              <a:spcBef>
+                <a:spcPts val="1000"/>
+              </a:spcBef>
+              <a:buClr>
+                <a:schemeClr val="accent2"/>
+              </a:buClr>
+              <a:buFont typeface="Arial" panose="020B0604020202020204" pitchFamily="34" charset="0"/>
+              <a:buChar char="•"/>
+              <a:defRPr sz="1600" kern="1200">
+                <a:solidFill>
+                  <a:schemeClr val="tx1">
+                    <a:lumMod val="85000"/>
+                    <a:lumOff val="15000"/>
+                  </a:schemeClr>
+                </a:solidFill>
+                <a:latin typeface="+mn-lt"/>
+                <a:ea typeface="+mn-ea"/>
+                <a:cs typeface="+mn-cs"/>
+              </a:defRPr>
+            </a:lvl3pPr>
+            <a:lvl4pPr marL="914400" indent="-228600" algn="l" defTabSz="914400" rtl="0" eaLnBrk="1" latinLnBrk="0" hangingPunct="1">
+              <a:lnSpc>
+                <a:spcPct val="100000"/>
+              </a:lnSpc>
+              <a:spcBef>
+                <a:spcPts val="1000"/>
+              </a:spcBef>
+              <a:buClr>
+                <a:schemeClr val="accent2"/>
+              </a:buClr>
+              <a:buFont typeface="Arial" panose="020B0604020202020204" pitchFamily="34" charset="0"/>
+              <a:buChar char="•"/>
+              <a:defRPr sz="1600" kern="1200">
+                <a:solidFill>
+                  <a:schemeClr val="tx1">
+                    <a:lumMod val="85000"/>
+                    <a:lumOff val="15000"/>
+                  </a:schemeClr>
+                </a:solidFill>
+                <a:latin typeface="+mn-lt"/>
+                <a:ea typeface="+mn-ea"/>
+                <a:cs typeface="+mn-cs"/>
+              </a:defRPr>
+            </a:lvl4pPr>
+            <a:lvl5pPr marL="1143000" indent="-228600" algn="l" defTabSz="914400" rtl="0" eaLnBrk="1" latinLnBrk="0" hangingPunct="1">
+              <a:lnSpc>
+                <a:spcPct val="100000"/>
+              </a:lnSpc>
+              <a:spcBef>
+                <a:spcPts val="1000"/>
+              </a:spcBef>
+              <a:buClr>
+                <a:schemeClr val="accent2"/>
+              </a:buClr>
+              <a:buFont typeface="Arial" panose="020B0604020202020204" pitchFamily="34" charset="0"/>
+              <a:buChar char="•"/>
+              <a:defRPr sz="1600" kern="1200">
+                <a:solidFill>
+                  <a:schemeClr val="tx1">
+                    <a:lumMod val="85000"/>
+                    <a:lumOff val="15000"/>
+                  </a:schemeClr>
+                </a:solidFill>
+                <a:latin typeface="+mn-lt"/>
+                <a:ea typeface="+mn-ea"/>
+                <a:cs typeface="+mn-cs"/>
+              </a:defRPr>
+            </a:lvl5pPr>
+            <a:lvl6pPr marL="1312863" indent="-228600" algn="l" defTabSz="914400" rtl="0" eaLnBrk="1" latinLnBrk="0" hangingPunct="1">
+              <a:lnSpc>
+                <a:spcPct val="100000"/>
+              </a:lnSpc>
+              <a:spcBef>
+                <a:spcPts val="1000"/>
+              </a:spcBef>
+              <a:buClr>
+                <a:schemeClr val="accent2"/>
+              </a:buClr>
+              <a:buFont typeface="Arial" panose="020B0604020202020204" pitchFamily="34" charset="0"/>
+              <a:buChar char="•"/>
+              <a:defRPr sz="1600" kern="1200">
+                <a:solidFill>
+                  <a:schemeClr val="tx1"/>
+                </a:solidFill>
+                <a:latin typeface="+mn-lt"/>
+                <a:ea typeface="+mn-ea"/>
+                <a:cs typeface="+mn-cs"/>
+              </a:defRPr>
+            </a:lvl6pPr>
+            <a:lvl7pPr marL="1484313" indent="-228600" algn="l" defTabSz="914400" rtl="0" eaLnBrk="1" latinLnBrk="0" hangingPunct="1">
+              <a:lnSpc>
+                <a:spcPct val="100000"/>
+              </a:lnSpc>
+              <a:spcBef>
+                <a:spcPts val="1000"/>
+              </a:spcBef>
+              <a:buClr>
+                <a:schemeClr val="accent2"/>
+              </a:buClr>
+              <a:buFont typeface="Arial" panose="020B0604020202020204" pitchFamily="34" charset="0"/>
+              <a:buChar char="•"/>
+              <a:defRPr sz="1600" kern="1200">
+                <a:solidFill>
+                  <a:schemeClr val="tx1"/>
+                </a:solidFill>
+                <a:latin typeface="+mn-lt"/>
+                <a:ea typeface="+mn-ea"/>
+                <a:cs typeface="+mn-cs"/>
+              </a:defRPr>
+            </a:lvl7pPr>
+            <a:lvl8pPr marL="1657350" indent="-228600" algn="l" defTabSz="914400" rtl="0" eaLnBrk="1" latinLnBrk="0" hangingPunct="1">
+              <a:lnSpc>
+                <a:spcPct val="100000"/>
+              </a:lnSpc>
+              <a:spcBef>
+                <a:spcPts val="1000"/>
+              </a:spcBef>
+              <a:buClr>
+                <a:schemeClr val="accent2"/>
+              </a:buClr>
+              <a:buFont typeface="Arial" panose="020B0604020202020204" pitchFamily="34" charset="0"/>
+              <a:buChar char="•"/>
+              <a:defRPr sz="1600" kern="1200" baseline="0">
+                <a:solidFill>
+                  <a:schemeClr val="tx1"/>
+                </a:solidFill>
+                <a:latin typeface="+mn-lt"/>
+                <a:ea typeface="+mn-ea"/>
+                <a:cs typeface="+mn-cs"/>
+              </a:defRPr>
+            </a:lvl8pPr>
+            <a:lvl9pPr marL="1882775" indent="-228600" algn="l" defTabSz="914400" rtl="0" eaLnBrk="1" latinLnBrk="0" hangingPunct="1">
+              <a:lnSpc>
+                <a:spcPct val="100000"/>
+              </a:lnSpc>
+              <a:spcBef>
+                <a:spcPts val="1000"/>
+              </a:spcBef>
+              <a:buClr>
+                <a:schemeClr val="accent2"/>
+              </a:buClr>
+              <a:buFont typeface="Arial" panose="020B0604020202020204" pitchFamily="34" charset="0"/>
+              <a:buChar char="•"/>
+              <a:defRPr sz="1600" kern="1200" baseline="0">
+                <a:solidFill>
+                  <a:schemeClr val="tx1"/>
+                </a:solidFill>
+                <a:latin typeface="+mn-lt"/>
+                <a:ea typeface="+mn-ea"/>
+                <a:cs typeface="+mn-cs"/>
+              </a:defRPr>
+            </a:lvl9pPr>
+          </a:lstStyle>
+          <a:p>
+            <a:r>
+              <a:rPr lang="en-IN" dirty="0"/>
+              <a:t>Spring Boot</a:t>
+            </a:r>
+          </a:p>
+          <a:p>
+            <a:r>
+              <a:rPr lang="en-IN" dirty="0"/>
+              <a:t>My SQL Database</a:t>
+            </a:r>
+          </a:p>
+          <a:p>
+            <a:r>
+              <a:rPr lang="en-IN" dirty="0"/>
+              <a:t> Spring Test</a:t>
+            </a:r>
+          </a:p>
+        </p:txBody>
+      </p:sp>
+      <p:sp>
+        <p:nvSpPr>
+          <p:cNvPr id="6" name="TextBox 5">
+            <a:extLst>
+              <a:ext uri="{FF2B5EF4-FFF2-40B4-BE49-F238E27FC236}">
+                <a16:creationId xmlns:a16="http://schemas.microsoft.com/office/drawing/2014/main" id="{F42791D0-9D66-4344-A913-9D1BC49959F0}"/>
+              </a:ext>
+            </a:extLst>
+          </p:cNvPr>
+          <p:cNvSpPr txBox="1"/>
+          <p:nvPr/>
+        </p:nvSpPr>
+        <p:spPr>
+          <a:xfrm>
+            <a:off x="7924800" y="765555"/>
+            <a:ext cx="1584201" cy="523220"/>
+          </a:xfrm>
+          <a:prstGeom prst="rect">
+            <a:avLst/>
+          </a:prstGeom>
+          <a:noFill/>
+        </p:spPr>
+        <p:txBody>
+          <a:bodyPr wrap="square" rtlCol="0">
+            <a:spAutoFit/>
+          </a:bodyPr>
+          <a:lstStyle/>
+          <a:p>
+            <a:r>
+              <a:rPr lang="en-IN" sz="2800" dirty="0"/>
+              <a:t>Backend</a:t>
+            </a:r>
+          </a:p>
+        </p:txBody>
+      </p:sp>
+    </p:spTree>
+    <p:extLst>
+      <p:ext uri="{BB962C8B-B14F-4D97-AF65-F5344CB8AC3E}">
+        <p14:creationId xmlns:p14="http://schemas.microsoft.com/office/powerpoint/2010/main" val="927718878"/>
+      </p:ext>
+    </p:extLst>
+  </p:cSld>
+  <p:clrMapOvr>
+    <a:masterClrMapping/>
+  </p:clrMapOvr>
+</p:sld>
+</file>
+
+<file path=ppt/slides/slide6.xml><?xml version="1.0" encoding="utf-8"?>
+<p:sld xmlns:a="http://schemas.openxmlformats.org/drawingml/2006/main" xmlns:r="http://schemas.openxmlformats.org/officeDocument/2006/relationships" xmlns:p="http://schemas.openxmlformats.org/presentationml/2006/main">
+  <p:cSld>
+    <p:spTree>
+      <p:nvGrpSpPr>
+        <p:cNvPr id="1" name=""/>
+        <p:cNvGrpSpPr/>
+        <p:nvPr/>
+      </p:nvGrpSpPr>
+      <p:grpSpPr>
+        <a:xfrm>
+          <a:off x="0" y="0"/>
+          <a:ext cx="0" cy="0"/>
+          <a:chOff x="0" y="0"/>
+          <a:chExt cx="0" cy="0"/>
+        </a:xfrm>
+      </p:grpSpPr>
+      <p:sp>
+        <p:nvSpPr>
+          <p:cNvPr id="2" name="Title 1">
+            <a:extLst>
+              <a:ext uri="{FF2B5EF4-FFF2-40B4-BE49-F238E27FC236}">
+                <a16:creationId xmlns:a16="http://schemas.microsoft.com/office/drawing/2014/main" id="{6E55D36B-4FE3-426C-AD93-8A7D95086E30}"/>
+              </a:ext>
+            </a:extLst>
+          </p:cNvPr>
+          <p:cNvSpPr>
+            <a:spLocks noGrp="1"/>
+          </p:cNvSpPr>
+          <p:nvPr>
+            <p:ph type="title"/>
+          </p:nvPr>
+        </p:nvSpPr>
+        <p:spPr>
+          <a:xfrm>
+            <a:off x="2337154" y="159689"/>
+            <a:ext cx="7729728" cy="476415"/>
+          </a:xfrm>
+        </p:spPr>
+        <p:txBody>
+          <a:bodyPr>
+            <a:normAutofit fontScale="90000"/>
+          </a:bodyPr>
+          <a:lstStyle/>
+          <a:p>
+            <a:r>
+              <a:rPr lang="en-IN" dirty="0" err="1"/>
+              <a:t>Uml</a:t>
+            </a:r>
+            <a:r>
+              <a:rPr lang="en-IN" dirty="0"/>
+              <a:t> Diagram</a:t>
+            </a:r>
+          </a:p>
+        </p:txBody>
+      </p:sp>
+      <p:pic>
+        <p:nvPicPr>
+          <p:cNvPr id="3" name="Picture 2">
+            <a:extLst>
+              <a:ext uri="{FF2B5EF4-FFF2-40B4-BE49-F238E27FC236}">
+                <a16:creationId xmlns:a16="http://schemas.microsoft.com/office/drawing/2014/main" id="{F43F03FA-19E2-4656-9B7D-3932AAF887BB}"/>
+              </a:ext>
+            </a:extLst>
+          </p:cNvPr>
+          <p:cNvPicPr>
+            <a:picLocks noChangeAspect="1"/>
+          </p:cNvPicPr>
+          <p:nvPr/>
+        </p:nvPicPr>
+        <p:blipFill>
+          <a:blip r:embed="rId2"/>
+          <a:stretch>
+            <a:fillRect/>
+          </a:stretch>
+        </p:blipFill>
+        <p:spPr>
+          <a:xfrm>
+            <a:off x="1060172" y="543339"/>
+            <a:ext cx="9369287" cy="8150088"/>
+          </a:xfrm>
+          <a:prstGeom prst="rect">
+            <a:avLst/>
+          </a:prstGeom>
+        </p:spPr>
+      </p:pic>
+    </p:spTree>
+    <p:extLst>
+      <p:ext uri="{BB962C8B-B14F-4D97-AF65-F5344CB8AC3E}">
+        <p14:creationId xmlns:p14="http://schemas.microsoft.com/office/powerpoint/2010/main" val="3190659297"/>
+      </p:ext>
+    </p:extLst>
+  </p:cSld>
+  <p:clrMapOvr>
+    <a:masterClrMapping/>
+  </p:clrMapOvr>
+</p:sld>
+</file>
+
+<file path=ppt/slides/slide7.xml><?xml version="1.0" encoding="utf-8"?>
+<p:sld xmlns:a="http://schemas.openxmlformats.org/drawingml/2006/main" xmlns:r="http://schemas.openxmlformats.org/officeDocument/2006/relationships" xmlns:p="http://schemas.openxmlformats.org/presentationml/2006/main">
+  <p:cSld>
+    <p:spTree>
+      <p:nvGrpSpPr>
+        <p:cNvPr id="1" name=""/>
+        <p:cNvGrpSpPr/>
+        <p:nvPr/>
+      </p:nvGrpSpPr>
+      <p:grpSpPr>
+        <a:xfrm>
+          <a:off x="0" y="0"/>
+          <a:ext cx="0" cy="0"/>
+          <a:chOff x="0" y="0"/>
+          <a:chExt cx="0" cy="0"/>
+        </a:xfrm>
+      </p:grpSpPr>
+      <p:sp>
+        <p:nvSpPr>
+          <p:cNvPr id="2" name="Title 1">
+            <a:extLst>
+              <a:ext uri="{FF2B5EF4-FFF2-40B4-BE49-F238E27FC236}">
+                <a16:creationId xmlns:a16="http://schemas.microsoft.com/office/drawing/2014/main" id="{E9AD9C59-38CD-482A-A92E-B5AA4ECF11D8}"/>
+              </a:ext>
+            </a:extLst>
+          </p:cNvPr>
+          <p:cNvSpPr>
+            <a:spLocks noGrp="1"/>
+          </p:cNvSpPr>
+          <p:nvPr>
+            <p:ph type="title"/>
+          </p:nvPr>
+        </p:nvSpPr>
+        <p:spPr>
+          <a:xfrm>
+            <a:off x="2231136" y="2488692"/>
+            <a:ext cx="7729728" cy="1188720"/>
+          </a:xfrm>
+        </p:spPr>
+        <p:txBody>
+          <a:bodyPr/>
+          <a:lstStyle/>
+          <a:p>
+            <a:r>
+              <a:rPr lang="en-IN" dirty="0"/>
+              <a:t>Major features implementation</a:t>
+            </a:r>
+          </a:p>
+        </p:txBody>
+      </p:sp>
+    </p:spTree>
+    <p:extLst>
+      <p:ext uri="{BB962C8B-B14F-4D97-AF65-F5344CB8AC3E}">
+        <p14:creationId xmlns:p14="http://schemas.microsoft.com/office/powerpoint/2010/main" val="4076990109"/>
+      </p:ext>
+    </p:extLst>
+  </p:cSld>
+  <p:clrMapOvr>
+    <a:masterClrMapping/>
+  </p:clrMapOvr>
+</p:sld>
+</file>
+
+<file path=ppt/slides/slide8.xml><?xml version="1.0" encoding="utf-8"?>
+<p:sld xmlns:a="http://schemas.openxmlformats.org/drawingml/2006/main" xmlns:r="http://schemas.openxmlformats.org/officeDocument/2006/relationships" xmlns:p="http://schemas.openxmlformats.org/presentationml/2006/main">
+  <p:cSld>
+    <p:spTree>
+      <p:nvGrpSpPr>
+        <p:cNvPr id="1" name=""/>
+        <p:cNvGrpSpPr/>
+        <p:nvPr/>
+      </p:nvGrpSpPr>
+      <p:grpSpPr>
+        <a:xfrm>
+          <a:off x="0" y="0"/>
+          <a:ext cx="0" cy="0"/>
+          <a:chOff x="0" y="0"/>
+          <a:chExt cx="0" cy="0"/>
+        </a:xfrm>
+      </p:grpSpPr>
       <p:sp>
         <p:nvSpPr>
           <p:cNvPr id="4" name="TextBox 3">
@@ -3586,7 +5436,7 @@
 </p:sld>
 </file>
 
-<file path=ppt/slides/slide13.xml><?xml version="1.0" encoding="utf-8"?>
+<file path=ppt/slides/slide9.xml><?xml version="1.0" encoding="utf-8"?>
 <p:sld xmlns:a="http://schemas.openxmlformats.org/drawingml/2006/main" xmlns:r="http://schemas.openxmlformats.org/officeDocument/2006/relationships" xmlns:p="http://schemas.openxmlformats.org/presentationml/2006/main">
   <p:cSld>
     <p:spTree>
@@ -3667,2167 +5517,6 @@
     <p:extLst>
       <p:ext uri="{BB962C8B-B14F-4D97-AF65-F5344CB8AC3E}">
         <p14:creationId xmlns:p14="http://schemas.microsoft.com/office/powerpoint/2010/main" val="2968635906"/>
-      </p:ext>
-    </p:extLst>
-  </p:cSld>
-  <p:clrMapOvr>
-    <a:masterClrMapping/>
-  </p:clrMapOvr>
-</p:sld>
-</file>
-
-<file path=ppt/slides/slide14.xml><?xml version="1.0" encoding="utf-8"?>
-<p:sld xmlns:a="http://schemas.openxmlformats.org/drawingml/2006/main" xmlns:r="http://schemas.openxmlformats.org/officeDocument/2006/relationships" xmlns:p="http://schemas.openxmlformats.org/presentationml/2006/main">
-  <p:cSld>
-    <p:spTree>
-      <p:nvGrpSpPr>
-        <p:cNvPr id="1" name=""/>
-        <p:cNvGrpSpPr/>
-        <p:nvPr/>
-      </p:nvGrpSpPr>
-      <p:grpSpPr>
-        <a:xfrm>
-          <a:off x="0" y="0"/>
-          <a:ext cx="0" cy="0"/>
-          <a:chOff x="0" y="0"/>
-          <a:chExt cx="0" cy="0"/>
-        </a:xfrm>
-      </p:grpSpPr>
-      <p:pic>
-        <p:nvPicPr>
-          <p:cNvPr id="5" name="Picture 4">
-            <a:extLst>
-              <a:ext uri="{FF2B5EF4-FFF2-40B4-BE49-F238E27FC236}">
-                <a16:creationId xmlns:a16="http://schemas.microsoft.com/office/drawing/2014/main" id="{B7269321-DC19-4F0F-97FA-4E05938EA914}"/>
-              </a:ext>
-            </a:extLst>
-          </p:cNvPr>
-          <p:cNvPicPr>
-            <a:picLocks noChangeAspect="1"/>
-          </p:cNvPicPr>
-          <p:nvPr/>
-        </p:nvPicPr>
-        <p:blipFill>
-          <a:blip r:embed="rId2"/>
-          <a:stretch>
-            <a:fillRect/>
-          </a:stretch>
-        </p:blipFill>
-        <p:spPr>
-          <a:xfrm>
-            <a:off x="1090611" y="1189382"/>
-            <a:ext cx="4316276" cy="4479235"/>
-          </a:xfrm>
-          <a:prstGeom prst="rect">
-            <a:avLst/>
-          </a:prstGeom>
-        </p:spPr>
-      </p:pic>
-      <p:pic>
-        <p:nvPicPr>
-          <p:cNvPr id="7" name="Picture 6">
-            <a:extLst>
-              <a:ext uri="{FF2B5EF4-FFF2-40B4-BE49-F238E27FC236}">
-                <a16:creationId xmlns:a16="http://schemas.microsoft.com/office/drawing/2014/main" id="{95099241-03BA-483F-A473-2CC529E06E56}"/>
-              </a:ext>
-            </a:extLst>
-          </p:cNvPr>
-          <p:cNvPicPr>
-            <a:picLocks noChangeAspect="1"/>
-          </p:cNvPicPr>
-          <p:nvPr/>
-        </p:nvPicPr>
-        <p:blipFill>
-          <a:blip r:embed="rId3"/>
-          <a:stretch>
-            <a:fillRect/>
-          </a:stretch>
-        </p:blipFill>
-        <p:spPr>
-          <a:xfrm>
-            <a:off x="5906949" y="388247"/>
-            <a:ext cx="5675451" cy="5827023"/>
-          </a:xfrm>
-          <a:prstGeom prst="rect">
-            <a:avLst/>
-          </a:prstGeom>
-        </p:spPr>
-      </p:pic>
-    </p:spTree>
-    <p:extLst>
-      <p:ext uri="{BB962C8B-B14F-4D97-AF65-F5344CB8AC3E}">
-        <p14:creationId xmlns:p14="http://schemas.microsoft.com/office/powerpoint/2010/main" val="2346643524"/>
-      </p:ext>
-    </p:extLst>
-  </p:cSld>
-  <p:clrMapOvr>
-    <a:masterClrMapping/>
-  </p:clrMapOvr>
-</p:sld>
-</file>
-
-<file path=ppt/slides/slide15.xml><?xml version="1.0" encoding="utf-8"?>
-<p:sld xmlns:a="http://schemas.openxmlformats.org/drawingml/2006/main" xmlns:r="http://schemas.openxmlformats.org/officeDocument/2006/relationships" xmlns:p="http://schemas.openxmlformats.org/presentationml/2006/main">
-  <p:cSld>
-    <p:spTree>
-      <p:nvGrpSpPr>
-        <p:cNvPr id="1" name=""/>
-        <p:cNvGrpSpPr/>
-        <p:nvPr/>
-      </p:nvGrpSpPr>
-      <p:grpSpPr>
-        <a:xfrm>
-          <a:off x="0" y="0"/>
-          <a:ext cx="0" cy="0"/>
-          <a:chOff x="0" y="0"/>
-          <a:chExt cx="0" cy="0"/>
-        </a:xfrm>
-      </p:grpSpPr>
-      <p:sp>
-        <p:nvSpPr>
-          <p:cNvPr id="4" name="TextBox 3">
-            <a:extLst>
-              <a:ext uri="{FF2B5EF4-FFF2-40B4-BE49-F238E27FC236}">
-                <a16:creationId xmlns:a16="http://schemas.microsoft.com/office/drawing/2014/main" id="{88D85617-C030-4DF5-8872-755AFB3F53CB}"/>
-              </a:ext>
-            </a:extLst>
-          </p:cNvPr>
-          <p:cNvSpPr txBox="1"/>
-          <p:nvPr/>
-        </p:nvSpPr>
-        <p:spPr>
-          <a:xfrm>
-            <a:off x="1736035" y="583096"/>
-            <a:ext cx="5128591" cy="523220"/>
-          </a:xfrm>
-          <a:prstGeom prst="rect">
-            <a:avLst/>
-          </a:prstGeom>
-          <a:noFill/>
-        </p:spPr>
-        <p:txBody>
-          <a:bodyPr wrap="square" rtlCol="0">
-            <a:spAutoFit/>
-          </a:bodyPr>
-          <a:lstStyle/>
-          <a:p>
-            <a:r>
-              <a:rPr lang="en-IN" sz="2800" dirty="0"/>
-              <a:t>Create Account</a:t>
-            </a:r>
-          </a:p>
-        </p:txBody>
-      </p:sp>
-      <p:pic>
-        <p:nvPicPr>
-          <p:cNvPr id="8" name="Picture 7">
-            <a:extLst>
-              <a:ext uri="{FF2B5EF4-FFF2-40B4-BE49-F238E27FC236}">
-                <a16:creationId xmlns:a16="http://schemas.microsoft.com/office/drawing/2014/main" id="{FA40BA33-D24C-4EA3-87B4-AD35C4D1ABFE}"/>
-              </a:ext>
-            </a:extLst>
-          </p:cNvPr>
-          <p:cNvPicPr>
-            <a:picLocks noChangeAspect="1"/>
-          </p:cNvPicPr>
-          <p:nvPr/>
-        </p:nvPicPr>
-        <p:blipFill rotWithShape="1">
-          <a:blip r:embed="rId2"/>
-          <a:srcRect r="5929"/>
-          <a:stretch/>
-        </p:blipFill>
-        <p:spPr>
-          <a:xfrm>
-            <a:off x="424070" y="1452769"/>
-            <a:ext cx="4982817" cy="2971800"/>
-          </a:xfrm>
-          <a:prstGeom prst="rect">
-            <a:avLst/>
-          </a:prstGeom>
-        </p:spPr>
-      </p:pic>
-      <p:pic>
-        <p:nvPicPr>
-          <p:cNvPr id="10" name="Picture 9">
-            <a:extLst>
-              <a:ext uri="{FF2B5EF4-FFF2-40B4-BE49-F238E27FC236}">
-                <a16:creationId xmlns:a16="http://schemas.microsoft.com/office/drawing/2014/main" id="{100A26A4-FB94-4620-8C54-B28A74D4A241}"/>
-              </a:ext>
-            </a:extLst>
-          </p:cNvPr>
-          <p:cNvPicPr>
-            <a:picLocks noChangeAspect="1"/>
-          </p:cNvPicPr>
-          <p:nvPr/>
-        </p:nvPicPr>
-        <p:blipFill rotWithShape="1">
-          <a:blip r:embed="rId3"/>
-          <a:srcRect r="6743"/>
-          <a:stretch/>
-        </p:blipFill>
-        <p:spPr>
-          <a:xfrm>
-            <a:off x="5777948" y="771731"/>
-            <a:ext cx="5897217" cy="5112234"/>
-          </a:xfrm>
-          <a:prstGeom prst="rect">
-            <a:avLst/>
-          </a:prstGeom>
-        </p:spPr>
-      </p:pic>
-    </p:spTree>
-    <p:extLst>
-      <p:ext uri="{BB962C8B-B14F-4D97-AF65-F5344CB8AC3E}">
-        <p14:creationId xmlns:p14="http://schemas.microsoft.com/office/powerpoint/2010/main" val="1878236016"/>
-      </p:ext>
-    </p:extLst>
-  </p:cSld>
-  <p:clrMapOvr>
-    <a:masterClrMapping/>
-  </p:clrMapOvr>
-</p:sld>
-</file>
-
-<file path=ppt/slides/slide16.xml><?xml version="1.0" encoding="utf-8"?>
-<p:sld xmlns:a="http://schemas.openxmlformats.org/drawingml/2006/main" xmlns:r="http://schemas.openxmlformats.org/officeDocument/2006/relationships" xmlns:p="http://schemas.openxmlformats.org/presentationml/2006/main">
-  <p:cSld>
-    <p:spTree>
-      <p:nvGrpSpPr>
-        <p:cNvPr id="1" name=""/>
-        <p:cNvGrpSpPr/>
-        <p:nvPr/>
-      </p:nvGrpSpPr>
-      <p:grpSpPr>
-        <a:xfrm>
-          <a:off x="0" y="0"/>
-          <a:ext cx="0" cy="0"/>
-          <a:chOff x="0" y="0"/>
-          <a:chExt cx="0" cy="0"/>
-        </a:xfrm>
-      </p:grpSpPr>
-      <p:pic>
-        <p:nvPicPr>
-          <p:cNvPr id="5" name="Picture 4">
-            <a:extLst>
-              <a:ext uri="{FF2B5EF4-FFF2-40B4-BE49-F238E27FC236}">
-                <a16:creationId xmlns:a16="http://schemas.microsoft.com/office/drawing/2014/main" id="{B06B4041-4F0D-4E84-AF95-86E9477C8CF5}"/>
-              </a:ext>
-            </a:extLst>
-          </p:cNvPr>
-          <p:cNvPicPr>
-            <a:picLocks noChangeAspect="1"/>
-          </p:cNvPicPr>
-          <p:nvPr/>
-        </p:nvPicPr>
-        <p:blipFill rotWithShape="1">
-          <a:blip r:embed="rId2"/>
-          <a:srcRect r="12866"/>
-          <a:stretch/>
-        </p:blipFill>
-        <p:spPr>
-          <a:xfrm>
-            <a:off x="848553" y="647700"/>
-            <a:ext cx="4664351" cy="5562600"/>
-          </a:xfrm>
-          <a:prstGeom prst="rect">
-            <a:avLst/>
-          </a:prstGeom>
-        </p:spPr>
-      </p:pic>
-      <p:pic>
-        <p:nvPicPr>
-          <p:cNvPr id="7" name="Picture 6">
-            <a:extLst>
-              <a:ext uri="{FF2B5EF4-FFF2-40B4-BE49-F238E27FC236}">
-                <a16:creationId xmlns:a16="http://schemas.microsoft.com/office/drawing/2014/main" id="{84D95ECE-FA24-45AF-A6C5-1C39CE2C1F7C}"/>
-              </a:ext>
-            </a:extLst>
-          </p:cNvPr>
-          <p:cNvPicPr>
-            <a:picLocks noChangeAspect="1"/>
-          </p:cNvPicPr>
-          <p:nvPr/>
-        </p:nvPicPr>
-        <p:blipFill>
-          <a:blip r:embed="rId3"/>
-          <a:stretch>
-            <a:fillRect/>
-          </a:stretch>
-        </p:blipFill>
-        <p:spPr>
-          <a:xfrm>
-            <a:off x="6279253" y="647700"/>
-            <a:ext cx="4695825" cy="5572125"/>
-          </a:xfrm>
-          <a:prstGeom prst="rect">
-            <a:avLst/>
-          </a:prstGeom>
-        </p:spPr>
-      </p:pic>
-    </p:spTree>
-    <p:extLst>
-      <p:ext uri="{BB962C8B-B14F-4D97-AF65-F5344CB8AC3E}">
-        <p14:creationId xmlns:p14="http://schemas.microsoft.com/office/powerpoint/2010/main" val="3544237168"/>
-      </p:ext>
-    </p:extLst>
-  </p:cSld>
-  <p:clrMapOvr>
-    <a:masterClrMapping/>
-  </p:clrMapOvr>
-</p:sld>
-</file>
-
-<file path=ppt/slides/slide17.xml><?xml version="1.0" encoding="utf-8"?>
-<p:sld xmlns:a="http://schemas.openxmlformats.org/drawingml/2006/main" xmlns:r="http://schemas.openxmlformats.org/officeDocument/2006/relationships" xmlns:p="http://schemas.openxmlformats.org/presentationml/2006/main">
-  <p:cSld>
-    <p:spTree>
-      <p:nvGrpSpPr>
-        <p:cNvPr id="1" name=""/>
-        <p:cNvGrpSpPr/>
-        <p:nvPr/>
-      </p:nvGrpSpPr>
-      <p:grpSpPr>
-        <a:xfrm>
-          <a:off x="0" y="0"/>
-          <a:ext cx="0" cy="0"/>
-          <a:chOff x="0" y="0"/>
-          <a:chExt cx="0" cy="0"/>
-        </a:xfrm>
-      </p:grpSpPr>
-      <p:pic>
-        <p:nvPicPr>
-          <p:cNvPr id="5" name="Picture 4">
-            <a:extLst>
-              <a:ext uri="{FF2B5EF4-FFF2-40B4-BE49-F238E27FC236}">
-                <a16:creationId xmlns:a16="http://schemas.microsoft.com/office/drawing/2014/main" id="{E655280E-C660-4DC7-8581-3E3B294FAF08}"/>
-              </a:ext>
-            </a:extLst>
-          </p:cNvPr>
-          <p:cNvPicPr>
-            <a:picLocks noChangeAspect="1"/>
-          </p:cNvPicPr>
-          <p:nvPr/>
-        </p:nvPicPr>
-        <p:blipFill>
-          <a:blip r:embed="rId2"/>
-          <a:stretch>
-            <a:fillRect/>
-          </a:stretch>
-        </p:blipFill>
-        <p:spPr>
-          <a:xfrm>
-            <a:off x="1579700" y="329441"/>
-            <a:ext cx="8306422" cy="5795426"/>
-          </a:xfrm>
-          <a:prstGeom prst="rect">
-            <a:avLst/>
-          </a:prstGeom>
-        </p:spPr>
-      </p:pic>
-    </p:spTree>
-    <p:extLst>
-      <p:ext uri="{BB962C8B-B14F-4D97-AF65-F5344CB8AC3E}">
-        <p14:creationId xmlns:p14="http://schemas.microsoft.com/office/powerpoint/2010/main" val="745314557"/>
-      </p:ext>
-    </p:extLst>
-  </p:cSld>
-  <p:clrMapOvr>
-    <a:masterClrMapping/>
-  </p:clrMapOvr>
-</p:sld>
-</file>
-
-<file path=ppt/slides/slide18.xml><?xml version="1.0" encoding="utf-8"?>
-<p:sld xmlns:a="http://schemas.openxmlformats.org/drawingml/2006/main" xmlns:r="http://schemas.openxmlformats.org/officeDocument/2006/relationships" xmlns:p="http://schemas.openxmlformats.org/presentationml/2006/main">
-  <p:cSld>
-    <p:spTree>
-      <p:nvGrpSpPr>
-        <p:cNvPr id="1" name=""/>
-        <p:cNvGrpSpPr/>
-        <p:nvPr/>
-      </p:nvGrpSpPr>
-      <p:grpSpPr>
-        <a:xfrm>
-          <a:off x="0" y="0"/>
-          <a:ext cx="0" cy="0"/>
-          <a:chOff x="0" y="0"/>
-          <a:chExt cx="0" cy="0"/>
-        </a:xfrm>
-      </p:grpSpPr>
-      <p:sp>
-        <p:nvSpPr>
-          <p:cNvPr id="4" name="TextBox 3">
-            <a:extLst>
-              <a:ext uri="{FF2B5EF4-FFF2-40B4-BE49-F238E27FC236}">
-                <a16:creationId xmlns:a16="http://schemas.microsoft.com/office/drawing/2014/main" id="{C1DC46C5-6581-4DF8-BF06-294E0464394A}"/>
-              </a:ext>
-            </a:extLst>
-          </p:cNvPr>
-          <p:cNvSpPr txBox="1"/>
-          <p:nvPr/>
-        </p:nvSpPr>
-        <p:spPr>
-          <a:xfrm>
-            <a:off x="1736035" y="583096"/>
-            <a:ext cx="5128591" cy="523220"/>
-          </a:xfrm>
-          <a:prstGeom prst="rect">
-            <a:avLst/>
-          </a:prstGeom>
-          <a:noFill/>
-        </p:spPr>
-        <p:txBody>
-          <a:bodyPr wrap="square" rtlCol="0">
-            <a:spAutoFit/>
-          </a:bodyPr>
-          <a:lstStyle/>
-          <a:p>
-            <a:r>
-              <a:rPr lang="en-IN" sz="2800" dirty="0"/>
-              <a:t>Transactions</a:t>
-            </a:r>
-          </a:p>
-        </p:txBody>
-      </p:sp>
-      <p:pic>
-        <p:nvPicPr>
-          <p:cNvPr id="11" name="Picture 10">
-            <a:extLst>
-              <a:ext uri="{FF2B5EF4-FFF2-40B4-BE49-F238E27FC236}">
-                <a16:creationId xmlns:a16="http://schemas.microsoft.com/office/drawing/2014/main" id="{A6EC253D-017E-4822-8024-9C091B578716}"/>
-              </a:ext>
-            </a:extLst>
-          </p:cNvPr>
-          <p:cNvPicPr>
-            <a:picLocks noChangeAspect="1"/>
-          </p:cNvPicPr>
-          <p:nvPr/>
-        </p:nvPicPr>
-        <p:blipFill>
-          <a:blip r:embed="rId2"/>
-          <a:stretch>
-            <a:fillRect/>
-          </a:stretch>
-        </p:blipFill>
-        <p:spPr>
-          <a:xfrm>
-            <a:off x="751647" y="1499981"/>
-            <a:ext cx="4857750" cy="4229100"/>
-          </a:xfrm>
-          <a:prstGeom prst="rect">
-            <a:avLst/>
-          </a:prstGeom>
-        </p:spPr>
-      </p:pic>
-      <p:pic>
-        <p:nvPicPr>
-          <p:cNvPr id="13" name="Picture 12">
-            <a:extLst>
-              <a:ext uri="{FF2B5EF4-FFF2-40B4-BE49-F238E27FC236}">
-                <a16:creationId xmlns:a16="http://schemas.microsoft.com/office/drawing/2014/main" id="{D389237A-416D-4242-B892-10CE95A54D3E}"/>
-              </a:ext>
-            </a:extLst>
-          </p:cNvPr>
-          <p:cNvPicPr>
-            <a:picLocks noChangeAspect="1"/>
-          </p:cNvPicPr>
-          <p:nvPr/>
-        </p:nvPicPr>
-        <p:blipFill rotWithShape="1">
-          <a:blip r:embed="rId3"/>
-          <a:srcRect r="20188"/>
-          <a:stretch/>
-        </p:blipFill>
-        <p:spPr>
-          <a:xfrm>
-            <a:off x="6352553" y="1499981"/>
-            <a:ext cx="4857751" cy="4229100"/>
-          </a:xfrm>
-          <a:prstGeom prst="rect">
-            <a:avLst/>
-          </a:prstGeom>
-        </p:spPr>
-      </p:pic>
-    </p:spTree>
-    <p:extLst>
-      <p:ext uri="{BB962C8B-B14F-4D97-AF65-F5344CB8AC3E}">
-        <p14:creationId xmlns:p14="http://schemas.microsoft.com/office/powerpoint/2010/main" val="631685118"/>
-      </p:ext>
-    </p:extLst>
-  </p:cSld>
-  <p:clrMapOvr>
-    <a:masterClrMapping/>
-  </p:clrMapOvr>
-</p:sld>
-</file>
-
-<file path=ppt/slides/slide19.xml><?xml version="1.0" encoding="utf-8"?>
-<p:sld xmlns:a="http://schemas.openxmlformats.org/drawingml/2006/main" xmlns:r="http://schemas.openxmlformats.org/officeDocument/2006/relationships" xmlns:p="http://schemas.openxmlformats.org/presentationml/2006/main">
-  <p:cSld>
-    <p:spTree>
-      <p:nvGrpSpPr>
-        <p:cNvPr id="1" name=""/>
-        <p:cNvGrpSpPr/>
-        <p:nvPr/>
-      </p:nvGrpSpPr>
-      <p:grpSpPr>
-        <a:xfrm>
-          <a:off x="0" y="0"/>
-          <a:ext cx="0" cy="0"/>
-          <a:chOff x="0" y="0"/>
-          <a:chExt cx="0" cy="0"/>
-        </a:xfrm>
-      </p:grpSpPr>
-      <p:pic>
-        <p:nvPicPr>
-          <p:cNvPr id="5" name="Picture 4">
-            <a:extLst>
-              <a:ext uri="{FF2B5EF4-FFF2-40B4-BE49-F238E27FC236}">
-                <a16:creationId xmlns:a16="http://schemas.microsoft.com/office/drawing/2014/main" id="{AC2DAFE1-7E1A-4E90-9322-F3C19B19B9B6}"/>
-              </a:ext>
-            </a:extLst>
-          </p:cNvPr>
-          <p:cNvPicPr>
-            <a:picLocks noChangeAspect="1"/>
-          </p:cNvPicPr>
-          <p:nvPr/>
-        </p:nvPicPr>
-        <p:blipFill rotWithShape="1">
-          <a:blip r:embed="rId2"/>
-          <a:srcRect r="12314"/>
-          <a:stretch/>
-        </p:blipFill>
-        <p:spPr>
-          <a:xfrm>
-            <a:off x="543961" y="798236"/>
-            <a:ext cx="4902684" cy="4333875"/>
-          </a:xfrm>
-          <a:prstGeom prst="rect">
-            <a:avLst/>
-          </a:prstGeom>
-        </p:spPr>
-      </p:pic>
-      <p:pic>
-        <p:nvPicPr>
-          <p:cNvPr id="7" name="Picture 6">
-            <a:extLst>
-              <a:ext uri="{FF2B5EF4-FFF2-40B4-BE49-F238E27FC236}">
-                <a16:creationId xmlns:a16="http://schemas.microsoft.com/office/drawing/2014/main" id="{6355790B-0E3E-4EC7-B88F-C9F6C158CE97}"/>
-              </a:ext>
-            </a:extLst>
-          </p:cNvPr>
-          <p:cNvPicPr>
-            <a:picLocks noChangeAspect="1"/>
-          </p:cNvPicPr>
-          <p:nvPr/>
-        </p:nvPicPr>
-        <p:blipFill>
-          <a:blip r:embed="rId3"/>
-          <a:stretch>
-            <a:fillRect/>
-          </a:stretch>
-        </p:blipFill>
-        <p:spPr>
-          <a:xfrm>
-            <a:off x="6305550" y="798236"/>
-            <a:ext cx="5067300" cy="4314825"/>
-          </a:xfrm>
-          <a:prstGeom prst="rect">
-            <a:avLst/>
-          </a:prstGeom>
-        </p:spPr>
-      </p:pic>
-    </p:spTree>
-    <p:extLst>
-      <p:ext uri="{BB962C8B-B14F-4D97-AF65-F5344CB8AC3E}">
-        <p14:creationId xmlns:p14="http://schemas.microsoft.com/office/powerpoint/2010/main" val="1507830804"/>
-      </p:ext>
-    </p:extLst>
-  </p:cSld>
-  <p:clrMapOvr>
-    <a:masterClrMapping/>
-  </p:clrMapOvr>
-</p:sld>
-</file>
-
-<file path=ppt/slides/slide2.xml><?xml version="1.0" encoding="utf-8"?>
-<p:sld xmlns:a="http://schemas.openxmlformats.org/drawingml/2006/main" xmlns:r="http://schemas.openxmlformats.org/officeDocument/2006/relationships" xmlns:p="http://schemas.openxmlformats.org/presentationml/2006/main">
-  <p:cSld>
-    <p:spTree>
-      <p:nvGrpSpPr>
-        <p:cNvPr id="1" name=""/>
-        <p:cNvGrpSpPr/>
-        <p:nvPr/>
-      </p:nvGrpSpPr>
-      <p:grpSpPr>
-        <a:xfrm>
-          <a:off x="0" y="0"/>
-          <a:ext cx="0" cy="0"/>
-          <a:chOff x="0" y="0"/>
-          <a:chExt cx="0" cy="0"/>
-        </a:xfrm>
-      </p:grpSpPr>
-      <p:sp>
-        <p:nvSpPr>
-          <p:cNvPr id="2" name="Title 1">
-            <a:extLst>
-              <a:ext uri="{FF2B5EF4-FFF2-40B4-BE49-F238E27FC236}">
-                <a16:creationId xmlns:a16="http://schemas.microsoft.com/office/drawing/2014/main" id="{949C1839-FFC6-4F46-ACC7-22C8CCAD79B5}"/>
-              </a:ext>
-            </a:extLst>
-          </p:cNvPr>
-          <p:cNvSpPr>
-            <a:spLocks noGrp="1"/>
-          </p:cNvSpPr>
-          <p:nvPr>
-            <p:ph type="title"/>
-          </p:nvPr>
-        </p:nvSpPr>
-        <p:spPr>
-          <a:xfrm>
-            <a:off x="2231136" y="341840"/>
-            <a:ext cx="7729728" cy="479795"/>
-          </a:xfrm>
-        </p:spPr>
-        <p:txBody>
-          <a:bodyPr>
-            <a:normAutofit fontScale="90000"/>
-          </a:bodyPr>
-          <a:lstStyle/>
-          <a:p>
-            <a:r>
-              <a:rPr lang="en-IN" dirty="0"/>
-              <a:t>Project overview</a:t>
-            </a:r>
-          </a:p>
-        </p:txBody>
-      </p:sp>
-      <p:sp>
-        <p:nvSpPr>
-          <p:cNvPr id="4" name="TextBox 3">
-            <a:extLst>
-              <a:ext uri="{FF2B5EF4-FFF2-40B4-BE49-F238E27FC236}">
-                <a16:creationId xmlns:a16="http://schemas.microsoft.com/office/drawing/2014/main" id="{87D21E8B-92DA-419C-93F4-D9B1818EB7A0}"/>
-              </a:ext>
-            </a:extLst>
-          </p:cNvPr>
-          <p:cNvSpPr txBox="1"/>
-          <p:nvPr/>
-        </p:nvSpPr>
-        <p:spPr>
-          <a:xfrm>
-            <a:off x="2231136" y="1855304"/>
-            <a:ext cx="7729728" cy="2585323"/>
-          </a:xfrm>
-          <a:prstGeom prst="rect">
-            <a:avLst/>
-          </a:prstGeom>
-          <a:noFill/>
-        </p:spPr>
-        <p:txBody>
-          <a:bodyPr wrap="square" rtlCol="0">
-            <a:spAutoFit/>
-          </a:bodyPr>
-          <a:lstStyle/>
-          <a:p>
-            <a:r>
-              <a:rPr lang="en-IN" dirty="0"/>
-              <a:t>This is a banking application made using React Front-end and Java-Spring boot backend and MySQL database. Application allows the customer to register themselves, create accounts, withdraw/deposit money into accounts , transact money and view their current account’s balance. </a:t>
-            </a:r>
-          </a:p>
-          <a:p>
-            <a:endParaRPr lang="en-IN" dirty="0"/>
-          </a:p>
-          <a:p>
-            <a:r>
-              <a:rPr lang="en-IN" dirty="0"/>
-              <a:t>Apart from this , the app offers certain admin specific functionalities for bank employees who can register themselves, search for details of a particular account / customer , activate/suspend account of a particular customer, view the entire transaction history of a particular account or customer</a:t>
-            </a:r>
-          </a:p>
-        </p:txBody>
-      </p:sp>
-    </p:spTree>
-    <p:extLst>
-      <p:ext uri="{BB962C8B-B14F-4D97-AF65-F5344CB8AC3E}">
-        <p14:creationId xmlns:p14="http://schemas.microsoft.com/office/powerpoint/2010/main" val="3124996306"/>
-      </p:ext>
-    </p:extLst>
-  </p:cSld>
-  <p:clrMapOvr>
-    <a:masterClrMapping/>
-  </p:clrMapOvr>
-</p:sld>
-</file>
-
-<file path=ppt/slides/slide20.xml><?xml version="1.0" encoding="utf-8"?>
-<p:sld xmlns:a="http://schemas.openxmlformats.org/drawingml/2006/main" xmlns:r="http://schemas.openxmlformats.org/officeDocument/2006/relationships" xmlns:p="http://schemas.openxmlformats.org/presentationml/2006/main">
-  <p:cSld>
-    <p:spTree>
-      <p:nvGrpSpPr>
-        <p:cNvPr id="1" name=""/>
-        <p:cNvGrpSpPr/>
-        <p:nvPr/>
-      </p:nvGrpSpPr>
-      <p:grpSpPr>
-        <a:xfrm>
-          <a:off x="0" y="0"/>
-          <a:ext cx="0" cy="0"/>
-          <a:chOff x="0" y="0"/>
-          <a:chExt cx="0" cy="0"/>
-        </a:xfrm>
-      </p:grpSpPr>
-      <p:pic>
-        <p:nvPicPr>
-          <p:cNvPr id="5" name="Picture 4">
-            <a:extLst>
-              <a:ext uri="{FF2B5EF4-FFF2-40B4-BE49-F238E27FC236}">
-                <a16:creationId xmlns:a16="http://schemas.microsoft.com/office/drawing/2014/main" id="{A9DE663D-A171-4662-8DD2-EE80CFDEB13C}"/>
-              </a:ext>
-            </a:extLst>
-          </p:cNvPr>
-          <p:cNvPicPr>
-            <a:picLocks noChangeAspect="1"/>
-          </p:cNvPicPr>
-          <p:nvPr/>
-        </p:nvPicPr>
-        <p:blipFill>
-          <a:blip r:embed="rId2"/>
-          <a:stretch>
-            <a:fillRect/>
-          </a:stretch>
-        </p:blipFill>
-        <p:spPr>
-          <a:xfrm>
-            <a:off x="1166192" y="423862"/>
-            <a:ext cx="9528312" cy="6010275"/>
-          </a:xfrm>
-          <a:prstGeom prst="rect">
-            <a:avLst/>
-          </a:prstGeom>
-        </p:spPr>
-      </p:pic>
-    </p:spTree>
-    <p:extLst>
-      <p:ext uri="{BB962C8B-B14F-4D97-AF65-F5344CB8AC3E}">
-        <p14:creationId xmlns:p14="http://schemas.microsoft.com/office/powerpoint/2010/main" val="968216620"/>
-      </p:ext>
-    </p:extLst>
-  </p:cSld>
-  <p:clrMapOvr>
-    <a:masterClrMapping/>
-  </p:clrMapOvr>
-</p:sld>
-</file>
-
-<file path=ppt/slides/slide21.xml><?xml version="1.0" encoding="utf-8"?>
-<p:sld xmlns:a="http://schemas.openxmlformats.org/drawingml/2006/main" xmlns:r="http://schemas.openxmlformats.org/officeDocument/2006/relationships" xmlns:p="http://schemas.openxmlformats.org/presentationml/2006/main">
-  <p:cSld>
-    <p:spTree>
-      <p:nvGrpSpPr>
-        <p:cNvPr id="1" name=""/>
-        <p:cNvGrpSpPr/>
-        <p:nvPr/>
-      </p:nvGrpSpPr>
-      <p:grpSpPr>
-        <a:xfrm>
-          <a:off x="0" y="0"/>
-          <a:ext cx="0" cy="0"/>
-          <a:chOff x="0" y="0"/>
-          <a:chExt cx="0" cy="0"/>
-        </a:xfrm>
-      </p:grpSpPr>
-      <p:sp>
-        <p:nvSpPr>
-          <p:cNvPr id="8" name="TextBox 7">
-            <a:extLst>
-              <a:ext uri="{FF2B5EF4-FFF2-40B4-BE49-F238E27FC236}">
-                <a16:creationId xmlns:a16="http://schemas.microsoft.com/office/drawing/2014/main" id="{F2E55665-DDFC-4349-989A-59202D35A76A}"/>
-              </a:ext>
-            </a:extLst>
-          </p:cNvPr>
-          <p:cNvSpPr txBox="1"/>
-          <p:nvPr/>
-        </p:nvSpPr>
-        <p:spPr>
-          <a:xfrm>
-            <a:off x="1736035" y="583096"/>
-            <a:ext cx="5128591" cy="523220"/>
-          </a:xfrm>
-          <a:prstGeom prst="rect">
-            <a:avLst/>
-          </a:prstGeom>
-          <a:noFill/>
-        </p:spPr>
-        <p:txBody>
-          <a:bodyPr wrap="square" rtlCol="0">
-            <a:spAutoFit/>
-          </a:bodyPr>
-          <a:lstStyle/>
-          <a:p>
-            <a:r>
-              <a:rPr lang="en-IN" sz="2800" dirty="0"/>
-              <a:t>Transactions History</a:t>
-            </a:r>
-          </a:p>
-        </p:txBody>
-      </p:sp>
-      <p:pic>
-        <p:nvPicPr>
-          <p:cNvPr id="12" name="Picture 11">
-            <a:extLst>
-              <a:ext uri="{FF2B5EF4-FFF2-40B4-BE49-F238E27FC236}">
-                <a16:creationId xmlns:a16="http://schemas.microsoft.com/office/drawing/2014/main" id="{7786CD05-167D-4615-A478-4981D552D9F4}"/>
-              </a:ext>
-            </a:extLst>
-          </p:cNvPr>
-          <p:cNvPicPr>
-            <a:picLocks noChangeAspect="1"/>
-          </p:cNvPicPr>
-          <p:nvPr/>
-        </p:nvPicPr>
-        <p:blipFill rotWithShape="1">
-          <a:blip r:embed="rId2"/>
-          <a:srcRect r="10723"/>
-          <a:stretch/>
-        </p:blipFill>
-        <p:spPr>
-          <a:xfrm>
-            <a:off x="2705100" y="1338262"/>
-            <a:ext cx="7287039" cy="4717981"/>
-          </a:xfrm>
-          <a:prstGeom prst="rect">
-            <a:avLst/>
-          </a:prstGeom>
-        </p:spPr>
-      </p:pic>
-    </p:spTree>
-    <p:extLst>
-      <p:ext uri="{BB962C8B-B14F-4D97-AF65-F5344CB8AC3E}">
-        <p14:creationId xmlns:p14="http://schemas.microsoft.com/office/powerpoint/2010/main" val="1505133560"/>
-      </p:ext>
-    </p:extLst>
-  </p:cSld>
-  <p:clrMapOvr>
-    <a:masterClrMapping/>
-  </p:clrMapOvr>
-</p:sld>
-</file>
-
-<file path=ppt/slides/slide22.xml><?xml version="1.0" encoding="utf-8"?>
-<p:sld xmlns:a="http://schemas.openxmlformats.org/drawingml/2006/main" xmlns:r="http://schemas.openxmlformats.org/officeDocument/2006/relationships" xmlns:p="http://schemas.openxmlformats.org/presentationml/2006/main">
-  <p:cSld>
-    <p:spTree>
-      <p:nvGrpSpPr>
-        <p:cNvPr id="1" name=""/>
-        <p:cNvGrpSpPr/>
-        <p:nvPr/>
-      </p:nvGrpSpPr>
-      <p:grpSpPr>
-        <a:xfrm>
-          <a:off x="0" y="0"/>
-          <a:ext cx="0" cy="0"/>
-          <a:chOff x="0" y="0"/>
-          <a:chExt cx="0" cy="0"/>
-        </a:xfrm>
-      </p:grpSpPr>
-      <p:sp>
-        <p:nvSpPr>
-          <p:cNvPr id="6" name="TextBox 5">
-            <a:extLst>
-              <a:ext uri="{FF2B5EF4-FFF2-40B4-BE49-F238E27FC236}">
-                <a16:creationId xmlns:a16="http://schemas.microsoft.com/office/drawing/2014/main" id="{1F4509C7-E254-4A2D-8496-6ADA2C241E58}"/>
-              </a:ext>
-            </a:extLst>
-          </p:cNvPr>
-          <p:cNvSpPr txBox="1"/>
-          <p:nvPr/>
-        </p:nvSpPr>
-        <p:spPr>
-          <a:xfrm>
-            <a:off x="1736035" y="583096"/>
-            <a:ext cx="5128591" cy="523220"/>
-          </a:xfrm>
-          <a:prstGeom prst="rect">
-            <a:avLst/>
-          </a:prstGeom>
-          <a:noFill/>
-        </p:spPr>
-        <p:txBody>
-          <a:bodyPr wrap="square" rtlCol="0">
-            <a:spAutoFit/>
-          </a:bodyPr>
-          <a:lstStyle/>
-          <a:p>
-            <a:r>
-              <a:rPr lang="en-IN" sz="2800" dirty="0"/>
-              <a:t>Check Account Balance</a:t>
-            </a:r>
-          </a:p>
-        </p:txBody>
-      </p:sp>
-      <p:pic>
-        <p:nvPicPr>
-          <p:cNvPr id="9" name="Picture 8">
-            <a:extLst>
-              <a:ext uri="{FF2B5EF4-FFF2-40B4-BE49-F238E27FC236}">
-                <a16:creationId xmlns:a16="http://schemas.microsoft.com/office/drawing/2014/main" id="{1BDA1481-66DF-4508-9279-E2F2919DB7DA}"/>
-              </a:ext>
-            </a:extLst>
-          </p:cNvPr>
-          <p:cNvPicPr>
-            <a:picLocks noChangeAspect="1"/>
-          </p:cNvPicPr>
-          <p:nvPr/>
-        </p:nvPicPr>
-        <p:blipFill rotWithShape="1">
-          <a:blip r:embed="rId2"/>
-          <a:srcRect r="14805"/>
-          <a:stretch/>
-        </p:blipFill>
-        <p:spPr>
-          <a:xfrm>
-            <a:off x="3086100" y="1781175"/>
-            <a:ext cx="5128591" cy="3295650"/>
-          </a:xfrm>
-          <a:prstGeom prst="rect">
-            <a:avLst/>
-          </a:prstGeom>
-        </p:spPr>
-      </p:pic>
-    </p:spTree>
-    <p:extLst>
-      <p:ext uri="{BB962C8B-B14F-4D97-AF65-F5344CB8AC3E}">
-        <p14:creationId xmlns:p14="http://schemas.microsoft.com/office/powerpoint/2010/main" val="1577054275"/>
-      </p:ext>
-    </p:extLst>
-  </p:cSld>
-  <p:clrMapOvr>
-    <a:masterClrMapping/>
-  </p:clrMapOvr>
-</p:sld>
-</file>
-
-<file path=ppt/slides/slide23.xml><?xml version="1.0" encoding="utf-8"?>
-<p:sld xmlns:a="http://schemas.openxmlformats.org/drawingml/2006/main" xmlns:r="http://schemas.openxmlformats.org/officeDocument/2006/relationships" xmlns:p="http://schemas.openxmlformats.org/presentationml/2006/main">
-  <p:cSld>
-    <p:spTree>
-      <p:nvGrpSpPr>
-        <p:cNvPr id="1" name=""/>
-        <p:cNvGrpSpPr/>
-        <p:nvPr/>
-      </p:nvGrpSpPr>
-      <p:grpSpPr>
-        <a:xfrm>
-          <a:off x="0" y="0"/>
-          <a:ext cx="0" cy="0"/>
-          <a:chOff x="0" y="0"/>
-          <a:chExt cx="0" cy="0"/>
-        </a:xfrm>
-      </p:grpSpPr>
-      <p:sp>
-        <p:nvSpPr>
-          <p:cNvPr id="6" name="TextBox 5">
-            <a:extLst>
-              <a:ext uri="{FF2B5EF4-FFF2-40B4-BE49-F238E27FC236}">
-                <a16:creationId xmlns:a16="http://schemas.microsoft.com/office/drawing/2014/main" id="{9A8A89FC-79EA-46B8-9BDA-B0597C3E4850}"/>
-              </a:ext>
-            </a:extLst>
-          </p:cNvPr>
-          <p:cNvSpPr txBox="1"/>
-          <p:nvPr/>
-        </p:nvSpPr>
-        <p:spPr>
-          <a:xfrm>
-            <a:off x="1736035" y="583096"/>
-            <a:ext cx="5128591" cy="523220"/>
-          </a:xfrm>
-          <a:prstGeom prst="rect">
-            <a:avLst/>
-          </a:prstGeom>
-          <a:noFill/>
-        </p:spPr>
-        <p:txBody>
-          <a:bodyPr wrap="square" rtlCol="0">
-            <a:spAutoFit/>
-          </a:bodyPr>
-          <a:lstStyle/>
-          <a:p>
-            <a:r>
-              <a:rPr lang="en-IN" sz="2800" dirty="0"/>
-              <a:t>Suspend  Account</a:t>
-            </a:r>
-          </a:p>
-        </p:txBody>
-      </p:sp>
-      <p:pic>
-        <p:nvPicPr>
-          <p:cNvPr id="9" name="Picture 8">
-            <a:extLst>
-              <a:ext uri="{FF2B5EF4-FFF2-40B4-BE49-F238E27FC236}">
-                <a16:creationId xmlns:a16="http://schemas.microsoft.com/office/drawing/2014/main" id="{A3374EB1-3446-4E34-9094-6EA7655B654F}"/>
-              </a:ext>
-            </a:extLst>
-          </p:cNvPr>
-          <p:cNvPicPr>
-            <a:picLocks noChangeAspect="1"/>
-          </p:cNvPicPr>
-          <p:nvPr/>
-        </p:nvPicPr>
-        <p:blipFill rotWithShape="1">
-          <a:blip r:embed="rId2"/>
-          <a:srcRect r="9355" b="4885"/>
-          <a:stretch/>
-        </p:blipFill>
-        <p:spPr>
-          <a:xfrm>
-            <a:off x="967409" y="1888849"/>
-            <a:ext cx="5128591" cy="3080302"/>
-          </a:xfrm>
-          <a:prstGeom prst="rect">
-            <a:avLst/>
-          </a:prstGeom>
-        </p:spPr>
-      </p:pic>
-      <p:pic>
-        <p:nvPicPr>
-          <p:cNvPr id="11" name="Picture 10">
-            <a:extLst>
-              <a:ext uri="{FF2B5EF4-FFF2-40B4-BE49-F238E27FC236}">
-                <a16:creationId xmlns:a16="http://schemas.microsoft.com/office/drawing/2014/main" id="{82DF000F-3EF4-48A2-9D39-F088114B5C73}"/>
-              </a:ext>
-            </a:extLst>
-          </p:cNvPr>
-          <p:cNvPicPr>
-            <a:picLocks noChangeAspect="1"/>
-          </p:cNvPicPr>
-          <p:nvPr/>
-        </p:nvPicPr>
-        <p:blipFill rotWithShape="1">
-          <a:blip r:embed="rId3"/>
-          <a:srcRect r="7644"/>
-          <a:stretch/>
-        </p:blipFill>
-        <p:spPr>
-          <a:xfrm>
-            <a:off x="6433723" y="1532697"/>
-            <a:ext cx="5128591" cy="4057650"/>
-          </a:xfrm>
-          <a:prstGeom prst="rect">
-            <a:avLst/>
-          </a:prstGeom>
-        </p:spPr>
-      </p:pic>
-    </p:spTree>
-    <p:extLst>
-      <p:ext uri="{BB962C8B-B14F-4D97-AF65-F5344CB8AC3E}">
-        <p14:creationId xmlns:p14="http://schemas.microsoft.com/office/powerpoint/2010/main" val="4114534561"/>
-      </p:ext>
-    </p:extLst>
-  </p:cSld>
-  <p:clrMapOvr>
-    <a:masterClrMapping/>
-  </p:clrMapOvr>
-</p:sld>
-</file>
-
-<file path=ppt/slides/slide24.xml><?xml version="1.0" encoding="utf-8"?>
-<p:sld xmlns:a="http://schemas.openxmlformats.org/drawingml/2006/main" xmlns:r="http://schemas.openxmlformats.org/officeDocument/2006/relationships" xmlns:p="http://schemas.openxmlformats.org/presentationml/2006/main">
-  <p:cSld>
-    <p:spTree>
-      <p:nvGrpSpPr>
-        <p:cNvPr id="1" name=""/>
-        <p:cNvGrpSpPr/>
-        <p:nvPr/>
-      </p:nvGrpSpPr>
-      <p:grpSpPr>
-        <a:xfrm>
-          <a:off x="0" y="0"/>
-          <a:ext cx="0" cy="0"/>
-          <a:chOff x="0" y="0"/>
-          <a:chExt cx="0" cy="0"/>
-        </a:xfrm>
-      </p:grpSpPr>
-      <p:pic>
-        <p:nvPicPr>
-          <p:cNvPr id="5" name="Picture 4">
-            <a:extLst>
-              <a:ext uri="{FF2B5EF4-FFF2-40B4-BE49-F238E27FC236}">
-                <a16:creationId xmlns:a16="http://schemas.microsoft.com/office/drawing/2014/main" id="{25709A26-6E42-48C3-AEEA-1C5BF254437E}"/>
-              </a:ext>
-            </a:extLst>
-          </p:cNvPr>
-          <p:cNvPicPr>
-            <a:picLocks noChangeAspect="1"/>
-          </p:cNvPicPr>
-          <p:nvPr/>
-        </p:nvPicPr>
-        <p:blipFill>
-          <a:blip r:embed="rId2"/>
-          <a:stretch>
-            <a:fillRect/>
-          </a:stretch>
-        </p:blipFill>
-        <p:spPr>
-          <a:xfrm>
-            <a:off x="1502050" y="506482"/>
-            <a:ext cx="7920246" cy="5823300"/>
-          </a:xfrm>
-          <a:prstGeom prst="rect">
-            <a:avLst/>
-          </a:prstGeom>
-        </p:spPr>
-      </p:pic>
-    </p:spTree>
-    <p:extLst>
-      <p:ext uri="{BB962C8B-B14F-4D97-AF65-F5344CB8AC3E}">
-        <p14:creationId xmlns:p14="http://schemas.microsoft.com/office/powerpoint/2010/main" val="2816939872"/>
-      </p:ext>
-    </p:extLst>
-  </p:cSld>
-  <p:clrMapOvr>
-    <a:masterClrMapping/>
-  </p:clrMapOvr>
-</p:sld>
-</file>
-
-<file path=ppt/slides/slide25.xml><?xml version="1.0" encoding="utf-8"?>
-<p:sld xmlns:a="http://schemas.openxmlformats.org/drawingml/2006/main" xmlns:r="http://schemas.openxmlformats.org/officeDocument/2006/relationships" xmlns:p="http://schemas.openxmlformats.org/presentationml/2006/main">
-  <p:cSld>
-    <p:spTree>
-      <p:nvGrpSpPr>
-        <p:cNvPr id="1" name=""/>
-        <p:cNvGrpSpPr/>
-        <p:nvPr/>
-      </p:nvGrpSpPr>
-      <p:grpSpPr>
-        <a:xfrm>
-          <a:off x="0" y="0"/>
-          <a:ext cx="0" cy="0"/>
-          <a:chOff x="0" y="0"/>
-          <a:chExt cx="0" cy="0"/>
-        </a:xfrm>
-      </p:grpSpPr>
-      <p:sp>
-        <p:nvSpPr>
-          <p:cNvPr id="4" name="TextBox 3">
-            <a:extLst>
-              <a:ext uri="{FF2B5EF4-FFF2-40B4-BE49-F238E27FC236}">
-                <a16:creationId xmlns:a16="http://schemas.microsoft.com/office/drawing/2014/main" id="{1B7A1405-D063-452F-812A-C1EE7AD99455}"/>
-              </a:ext>
-            </a:extLst>
-          </p:cNvPr>
-          <p:cNvSpPr txBox="1"/>
-          <p:nvPr/>
-        </p:nvSpPr>
-        <p:spPr>
-          <a:xfrm>
-            <a:off x="1736035" y="583096"/>
-            <a:ext cx="5128591" cy="523220"/>
-          </a:xfrm>
-          <a:prstGeom prst="rect">
-            <a:avLst/>
-          </a:prstGeom>
-          <a:noFill/>
-        </p:spPr>
-        <p:txBody>
-          <a:bodyPr wrap="square" rtlCol="0">
-            <a:spAutoFit/>
-          </a:bodyPr>
-          <a:lstStyle/>
-          <a:p>
-            <a:r>
-              <a:rPr lang="en-IN" sz="2800" dirty="0"/>
-              <a:t> Activate Account</a:t>
-            </a:r>
-          </a:p>
-        </p:txBody>
-      </p:sp>
-      <p:pic>
-        <p:nvPicPr>
-          <p:cNvPr id="8" name="Picture 7">
-            <a:extLst>
-              <a:ext uri="{FF2B5EF4-FFF2-40B4-BE49-F238E27FC236}">
-                <a16:creationId xmlns:a16="http://schemas.microsoft.com/office/drawing/2014/main" id="{ABD5D57A-15A4-4865-99B1-B5E46D204B55}"/>
-              </a:ext>
-            </a:extLst>
-          </p:cNvPr>
-          <p:cNvPicPr>
-            <a:picLocks noChangeAspect="1"/>
-          </p:cNvPicPr>
-          <p:nvPr/>
-        </p:nvPicPr>
-        <p:blipFill rotWithShape="1">
-          <a:blip r:embed="rId2"/>
-          <a:srcRect r="9565"/>
-          <a:stretch/>
-        </p:blipFill>
-        <p:spPr>
-          <a:xfrm>
-            <a:off x="755373" y="1715743"/>
-            <a:ext cx="4823791" cy="3028950"/>
-          </a:xfrm>
-          <a:prstGeom prst="rect">
-            <a:avLst/>
-          </a:prstGeom>
-        </p:spPr>
-      </p:pic>
-      <p:pic>
-        <p:nvPicPr>
-          <p:cNvPr id="10" name="Picture 9">
-            <a:extLst>
-              <a:ext uri="{FF2B5EF4-FFF2-40B4-BE49-F238E27FC236}">
-                <a16:creationId xmlns:a16="http://schemas.microsoft.com/office/drawing/2014/main" id="{C0B3B572-E908-4F20-9D54-869E16D4E471}"/>
-              </a:ext>
-            </a:extLst>
-          </p:cNvPr>
-          <p:cNvPicPr>
-            <a:picLocks noChangeAspect="1"/>
-          </p:cNvPicPr>
-          <p:nvPr/>
-        </p:nvPicPr>
-        <p:blipFill rotWithShape="1">
-          <a:blip r:embed="rId3"/>
-          <a:srcRect r="7495"/>
-          <a:stretch/>
-        </p:blipFill>
-        <p:spPr>
-          <a:xfrm>
-            <a:off x="6096000" y="1385887"/>
-            <a:ext cx="4960662" cy="4086225"/>
-          </a:xfrm>
-          <a:prstGeom prst="rect">
-            <a:avLst/>
-          </a:prstGeom>
-        </p:spPr>
-      </p:pic>
-    </p:spTree>
-    <p:extLst>
-      <p:ext uri="{BB962C8B-B14F-4D97-AF65-F5344CB8AC3E}">
-        <p14:creationId xmlns:p14="http://schemas.microsoft.com/office/powerpoint/2010/main" val="931777821"/>
-      </p:ext>
-    </p:extLst>
-  </p:cSld>
-  <p:clrMapOvr>
-    <a:masterClrMapping/>
-  </p:clrMapOvr>
-</p:sld>
-</file>
-
-<file path=ppt/slides/slide26.xml><?xml version="1.0" encoding="utf-8"?>
-<p:sld xmlns:a="http://schemas.openxmlformats.org/drawingml/2006/main" xmlns:r="http://schemas.openxmlformats.org/officeDocument/2006/relationships" xmlns:p="http://schemas.openxmlformats.org/presentationml/2006/main">
-  <p:cSld>
-    <p:spTree>
-      <p:nvGrpSpPr>
-        <p:cNvPr id="1" name=""/>
-        <p:cNvGrpSpPr/>
-        <p:nvPr/>
-      </p:nvGrpSpPr>
-      <p:grpSpPr>
-        <a:xfrm>
-          <a:off x="0" y="0"/>
-          <a:ext cx="0" cy="0"/>
-          <a:chOff x="0" y="0"/>
-          <a:chExt cx="0" cy="0"/>
-        </a:xfrm>
-      </p:grpSpPr>
-      <p:pic>
-        <p:nvPicPr>
-          <p:cNvPr id="9" name="Picture 8">
-            <a:extLst>
-              <a:ext uri="{FF2B5EF4-FFF2-40B4-BE49-F238E27FC236}">
-                <a16:creationId xmlns:a16="http://schemas.microsoft.com/office/drawing/2014/main" id="{32F80207-65AD-4C05-B744-BD305DB61EE8}"/>
-              </a:ext>
-            </a:extLst>
-          </p:cNvPr>
-          <p:cNvPicPr>
-            <a:picLocks noChangeAspect="1"/>
-          </p:cNvPicPr>
-          <p:nvPr/>
-        </p:nvPicPr>
-        <p:blipFill rotWithShape="1">
-          <a:blip r:embed="rId2"/>
-          <a:srcRect r="15065"/>
-          <a:stretch/>
-        </p:blipFill>
-        <p:spPr>
-          <a:xfrm>
-            <a:off x="1137823" y="437114"/>
-            <a:ext cx="9490420" cy="5221564"/>
-          </a:xfrm>
-          <a:prstGeom prst="rect">
-            <a:avLst/>
-          </a:prstGeom>
-        </p:spPr>
-      </p:pic>
-    </p:spTree>
-    <p:extLst>
-      <p:ext uri="{BB962C8B-B14F-4D97-AF65-F5344CB8AC3E}">
-        <p14:creationId xmlns:p14="http://schemas.microsoft.com/office/powerpoint/2010/main" val="3069130248"/>
-      </p:ext>
-    </p:extLst>
-  </p:cSld>
-  <p:clrMapOvr>
-    <a:masterClrMapping/>
-  </p:clrMapOvr>
-</p:sld>
-</file>
-
-<file path=ppt/slides/slide27.xml><?xml version="1.0" encoding="utf-8"?>
-<p:sld xmlns:a="http://schemas.openxmlformats.org/drawingml/2006/main" xmlns:r="http://schemas.openxmlformats.org/officeDocument/2006/relationships" xmlns:p="http://schemas.openxmlformats.org/presentationml/2006/main">
-  <p:cSld>
-    <p:spTree>
-      <p:nvGrpSpPr>
-        <p:cNvPr id="1" name=""/>
-        <p:cNvGrpSpPr/>
-        <p:nvPr/>
-      </p:nvGrpSpPr>
-      <p:grpSpPr>
-        <a:xfrm>
-          <a:off x="0" y="0"/>
-          <a:ext cx="0" cy="0"/>
-          <a:chOff x="0" y="0"/>
-          <a:chExt cx="0" cy="0"/>
-        </a:xfrm>
-      </p:grpSpPr>
-      <p:pic>
-        <p:nvPicPr>
-          <p:cNvPr id="3" name="Picture 2">
-            <a:extLst>
-              <a:ext uri="{FF2B5EF4-FFF2-40B4-BE49-F238E27FC236}">
-                <a16:creationId xmlns:a16="http://schemas.microsoft.com/office/drawing/2014/main" id="{E180C7F1-4063-D0B0-0B27-D8F1C13C8A0D}"/>
-              </a:ext>
-            </a:extLst>
-          </p:cNvPr>
-          <p:cNvPicPr>
-            <a:picLocks noChangeAspect="1"/>
-          </p:cNvPicPr>
-          <p:nvPr/>
-        </p:nvPicPr>
-        <p:blipFill>
-          <a:blip r:embed="rId2"/>
-          <a:stretch>
-            <a:fillRect/>
-          </a:stretch>
-        </p:blipFill>
-        <p:spPr>
-          <a:xfrm>
-            <a:off x="1840517" y="1053255"/>
-            <a:ext cx="8510966" cy="5804745"/>
-          </a:xfrm>
-          <a:prstGeom prst="rect">
-            <a:avLst/>
-          </a:prstGeom>
-        </p:spPr>
-      </p:pic>
-      <p:sp>
-        <p:nvSpPr>
-          <p:cNvPr id="4" name="TextBox 3">
-            <a:extLst>
-              <a:ext uri="{FF2B5EF4-FFF2-40B4-BE49-F238E27FC236}">
-                <a16:creationId xmlns:a16="http://schemas.microsoft.com/office/drawing/2014/main" id="{AC39D5BD-E3C7-ACC0-E47C-0CD1CE2683D5}"/>
-              </a:ext>
-            </a:extLst>
-          </p:cNvPr>
-          <p:cNvSpPr txBox="1"/>
-          <p:nvPr/>
-        </p:nvSpPr>
-        <p:spPr>
-          <a:xfrm>
-            <a:off x="1840517" y="395564"/>
-            <a:ext cx="5128591" cy="523220"/>
-          </a:xfrm>
-          <a:prstGeom prst="rect">
-            <a:avLst/>
-          </a:prstGeom>
-          <a:noFill/>
-        </p:spPr>
-        <p:txBody>
-          <a:bodyPr wrap="square" rtlCol="0">
-            <a:spAutoFit/>
-          </a:bodyPr>
-          <a:lstStyle/>
-          <a:p>
-            <a:r>
-              <a:rPr lang="en-IN" sz="2800" dirty="0"/>
-              <a:t>ER Diagram</a:t>
-            </a:r>
-          </a:p>
-        </p:txBody>
-      </p:sp>
-    </p:spTree>
-    <p:extLst>
-      <p:ext uri="{BB962C8B-B14F-4D97-AF65-F5344CB8AC3E}">
-        <p14:creationId xmlns:p14="http://schemas.microsoft.com/office/powerpoint/2010/main" val="990906292"/>
-      </p:ext>
-    </p:extLst>
-  </p:cSld>
-  <p:clrMapOvr>
-    <a:masterClrMapping/>
-  </p:clrMapOvr>
-</p:sld>
-</file>
-
-<file path=ppt/slides/slide3.xml><?xml version="1.0" encoding="utf-8"?>
-<p:sld xmlns:a="http://schemas.openxmlformats.org/drawingml/2006/main" xmlns:r="http://schemas.openxmlformats.org/officeDocument/2006/relationships" xmlns:p="http://schemas.openxmlformats.org/presentationml/2006/main">
-  <p:cSld>
-    <p:spTree>
-      <p:nvGrpSpPr>
-        <p:cNvPr id="1" name=""/>
-        <p:cNvGrpSpPr/>
-        <p:nvPr/>
-      </p:nvGrpSpPr>
-      <p:grpSpPr>
-        <a:xfrm>
-          <a:off x="0" y="0"/>
-          <a:ext cx="0" cy="0"/>
-          <a:chOff x="0" y="0"/>
-          <a:chExt cx="0" cy="0"/>
-        </a:xfrm>
-      </p:grpSpPr>
-      <p:sp>
-        <p:nvSpPr>
-          <p:cNvPr id="2" name="Title 1">
-            <a:extLst>
-              <a:ext uri="{FF2B5EF4-FFF2-40B4-BE49-F238E27FC236}">
-                <a16:creationId xmlns:a16="http://schemas.microsoft.com/office/drawing/2014/main" id="{4615F51F-5B17-450C-A342-153B378CAEBC}"/>
-              </a:ext>
-            </a:extLst>
-          </p:cNvPr>
-          <p:cNvSpPr>
-            <a:spLocks noGrp="1"/>
-          </p:cNvSpPr>
-          <p:nvPr>
-            <p:ph type="title"/>
-          </p:nvPr>
-        </p:nvSpPr>
-        <p:spPr>
-          <a:xfrm>
-            <a:off x="2231136" y="2740483"/>
-            <a:ext cx="7729728" cy="1188720"/>
-          </a:xfrm>
-        </p:spPr>
-        <p:txBody>
-          <a:bodyPr/>
-          <a:lstStyle/>
-          <a:p>
-            <a:r>
-              <a:rPr lang="en-IN" dirty="0"/>
-              <a:t>Features</a:t>
-            </a:r>
-          </a:p>
-        </p:txBody>
-      </p:sp>
-    </p:spTree>
-    <p:extLst>
-      <p:ext uri="{BB962C8B-B14F-4D97-AF65-F5344CB8AC3E}">
-        <p14:creationId xmlns:p14="http://schemas.microsoft.com/office/powerpoint/2010/main" val="1421242348"/>
-      </p:ext>
-    </p:extLst>
-  </p:cSld>
-  <p:clrMapOvr>
-    <a:masterClrMapping/>
-  </p:clrMapOvr>
-</p:sld>
-</file>
-
-<file path=ppt/slides/slide4.xml><?xml version="1.0" encoding="utf-8"?>
-<p:sld xmlns:a="http://schemas.openxmlformats.org/drawingml/2006/main" xmlns:r="http://schemas.openxmlformats.org/officeDocument/2006/relationships" xmlns:p="http://schemas.openxmlformats.org/presentationml/2006/main">
-  <p:cSld>
-    <p:spTree>
-      <p:nvGrpSpPr>
-        <p:cNvPr id="1" name=""/>
-        <p:cNvGrpSpPr/>
-        <p:nvPr/>
-      </p:nvGrpSpPr>
-      <p:grpSpPr>
-        <a:xfrm>
-          <a:off x="0" y="0"/>
-          <a:ext cx="0" cy="0"/>
-          <a:chOff x="0" y="0"/>
-          <a:chExt cx="0" cy="0"/>
-        </a:xfrm>
-      </p:grpSpPr>
-      <p:sp>
-        <p:nvSpPr>
-          <p:cNvPr id="3" name="Content Placeholder 2">
-            <a:extLst>
-              <a:ext uri="{FF2B5EF4-FFF2-40B4-BE49-F238E27FC236}">
-                <a16:creationId xmlns:a16="http://schemas.microsoft.com/office/drawing/2014/main" id="{57DE5927-B48E-4872-9DEE-A2548D6C4A12}"/>
-              </a:ext>
-            </a:extLst>
-          </p:cNvPr>
-          <p:cNvSpPr>
-            <a:spLocks noGrp="1"/>
-          </p:cNvSpPr>
-          <p:nvPr>
-            <p:ph idx="1"/>
-          </p:nvPr>
-        </p:nvSpPr>
-        <p:spPr>
-          <a:xfrm>
-            <a:off x="2231136" y="1537253"/>
-            <a:ext cx="7729728" cy="4454566"/>
-          </a:xfrm>
-        </p:spPr>
-        <p:txBody>
-          <a:bodyPr/>
-          <a:lstStyle/>
-          <a:p>
-            <a:r>
-              <a:rPr lang="en-IN" dirty="0"/>
-              <a:t>Register customer</a:t>
-            </a:r>
-          </a:p>
-          <a:p>
-            <a:r>
-              <a:rPr lang="en-IN" dirty="0"/>
-              <a:t>Authentication with customer id and password</a:t>
-            </a:r>
-          </a:p>
-          <a:p>
-            <a:r>
-              <a:rPr lang="en-IN" dirty="0"/>
-              <a:t>Create account</a:t>
-            </a:r>
-          </a:p>
-          <a:p>
-            <a:r>
-              <a:rPr lang="en-IN" dirty="0"/>
-              <a:t>Withdraw / Deposit money</a:t>
-            </a:r>
-          </a:p>
-          <a:p>
-            <a:r>
-              <a:rPr lang="en-IN" dirty="0"/>
-              <a:t>Fund transfer between accounts</a:t>
-            </a:r>
-          </a:p>
-          <a:p>
-            <a:r>
-              <a:rPr lang="en-IN" dirty="0"/>
-              <a:t>View transaction history</a:t>
-            </a:r>
-          </a:p>
-          <a:p>
-            <a:r>
-              <a:rPr lang="en-IN" dirty="0"/>
-              <a:t>Check bank balance</a:t>
-            </a:r>
-          </a:p>
-          <a:p>
-            <a:r>
-              <a:rPr lang="en-IN" dirty="0"/>
-              <a:t>Add and update personal details</a:t>
-            </a:r>
-          </a:p>
-          <a:p>
-            <a:r>
-              <a:rPr lang="en-IN" dirty="0"/>
-              <a:t>Log out</a:t>
-            </a:r>
-          </a:p>
-          <a:p>
-            <a:pPr marL="0" indent="0">
-              <a:buNone/>
-            </a:pPr>
-            <a:endParaRPr lang="en-IN" dirty="0"/>
-          </a:p>
-        </p:txBody>
-      </p:sp>
-      <p:sp>
-        <p:nvSpPr>
-          <p:cNvPr id="5" name="TextBox 4">
-            <a:extLst>
-              <a:ext uri="{FF2B5EF4-FFF2-40B4-BE49-F238E27FC236}">
-                <a16:creationId xmlns:a16="http://schemas.microsoft.com/office/drawing/2014/main" id="{F5B849E6-9774-41CD-A266-58EA8DD467BE}"/>
-              </a:ext>
-            </a:extLst>
-          </p:cNvPr>
-          <p:cNvSpPr txBox="1"/>
-          <p:nvPr/>
-        </p:nvSpPr>
-        <p:spPr>
-          <a:xfrm>
-            <a:off x="2231136" y="450574"/>
-            <a:ext cx="4439478" cy="523220"/>
-          </a:xfrm>
-          <a:prstGeom prst="rect">
-            <a:avLst/>
-          </a:prstGeom>
-          <a:noFill/>
-        </p:spPr>
-        <p:txBody>
-          <a:bodyPr wrap="square" rtlCol="0">
-            <a:spAutoFit/>
-          </a:bodyPr>
-          <a:lstStyle/>
-          <a:p>
-            <a:r>
-              <a:rPr lang="en-IN" sz="2800" dirty="0"/>
-              <a:t>Customer Dashboard</a:t>
-            </a:r>
-          </a:p>
-        </p:txBody>
-      </p:sp>
-    </p:spTree>
-    <p:extLst>
-      <p:ext uri="{BB962C8B-B14F-4D97-AF65-F5344CB8AC3E}">
-        <p14:creationId xmlns:p14="http://schemas.microsoft.com/office/powerpoint/2010/main" val="668753227"/>
-      </p:ext>
-    </p:extLst>
-  </p:cSld>
-  <p:clrMapOvr>
-    <a:masterClrMapping/>
-  </p:clrMapOvr>
-</p:sld>
-</file>
-
-<file path=ppt/slides/slide5.xml><?xml version="1.0" encoding="utf-8"?>
-<p:sld xmlns:a="http://schemas.openxmlformats.org/drawingml/2006/main" xmlns:r="http://schemas.openxmlformats.org/officeDocument/2006/relationships" xmlns:p="http://schemas.openxmlformats.org/presentationml/2006/main">
-  <p:cSld>
-    <p:spTree>
-      <p:nvGrpSpPr>
-        <p:cNvPr id="1" name=""/>
-        <p:cNvGrpSpPr/>
-        <p:nvPr/>
-      </p:nvGrpSpPr>
-      <p:grpSpPr>
-        <a:xfrm>
-          <a:off x="0" y="0"/>
-          <a:ext cx="0" cy="0"/>
-          <a:chOff x="0" y="0"/>
-          <a:chExt cx="0" cy="0"/>
-        </a:xfrm>
-      </p:grpSpPr>
-      <p:sp>
-        <p:nvSpPr>
-          <p:cNvPr id="4" name="Content Placeholder 2">
-            <a:extLst>
-              <a:ext uri="{FF2B5EF4-FFF2-40B4-BE49-F238E27FC236}">
-                <a16:creationId xmlns:a16="http://schemas.microsoft.com/office/drawing/2014/main" id="{DBF3CD61-09DF-45A7-82D3-6456255DA385}"/>
-              </a:ext>
-            </a:extLst>
-          </p:cNvPr>
-          <p:cNvSpPr>
-            <a:spLocks noGrp="1"/>
-          </p:cNvSpPr>
-          <p:nvPr>
-            <p:ph idx="1"/>
-          </p:nvPr>
-        </p:nvSpPr>
-        <p:spPr>
-          <a:xfrm>
-            <a:off x="2231136" y="1537253"/>
-            <a:ext cx="7729728" cy="4454566"/>
-          </a:xfrm>
-        </p:spPr>
-        <p:txBody>
-          <a:bodyPr/>
-          <a:lstStyle/>
-          <a:p>
-            <a:r>
-              <a:rPr lang="en-IN" dirty="0"/>
-              <a:t>Register admin</a:t>
-            </a:r>
-          </a:p>
-          <a:p>
-            <a:r>
-              <a:rPr lang="en-IN" dirty="0"/>
-              <a:t>Authentication with admin id and password</a:t>
-            </a:r>
-          </a:p>
-          <a:p>
-            <a:r>
-              <a:rPr lang="en-IN" dirty="0"/>
-              <a:t>Create account for a specific user</a:t>
-            </a:r>
-          </a:p>
-          <a:p>
-            <a:r>
-              <a:rPr lang="en-IN" dirty="0"/>
-              <a:t>View all account details of a specific user</a:t>
-            </a:r>
-          </a:p>
-          <a:p>
-            <a:r>
-              <a:rPr lang="en-IN" dirty="0"/>
-              <a:t>View all transaction history of a given customer or account</a:t>
-            </a:r>
-          </a:p>
-          <a:p>
-            <a:r>
-              <a:rPr lang="en-IN" dirty="0"/>
-              <a:t>View the customer personal information</a:t>
-            </a:r>
-          </a:p>
-          <a:p>
-            <a:r>
-              <a:rPr lang="en-IN" dirty="0"/>
-              <a:t>Check bank balance of all customer’s accounts</a:t>
-            </a:r>
-          </a:p>
-          <a:p>
-            <a:r>
-              <a:rPr lang="en-IN" dirty="0"/>
-              <a:t>Activate or suspend a particular account </a:t>
-            </a:r>
-          </a:p>
-          <a:p>
-            <a:r>
-              <a:rPr lang="en-IN" dirty="0"/>
-              <a:t>Log out</a:t>
-            </a:r>
-          </a:p>
-          <a:p>
-            <a:pPr marL="0" indent="0">
-              <a:buNone/>
-            </a:pPr>
-            <a:endParaRPr lang="en-IN" dirty="0"/>
-          </a:p>
-        </p:txBody>
-      </p:sp>
-      <p:sp>
-        <p:nvSpPr>
-          <p:cNvPr id="5" name="TextBox 4">
-            <a:extLst>
-              <a:ext uri="{FF2B5EF4-FFF2-40B4-BE49-F238E27FC236}">
-                <a16:creationId xmlns:a16="http://schemas.microsoft.com/office/drawing/2014/main" id="{BD45DB42-B905-41F8-BB74-0B20122A97D3}"/>
-              </a:ext>
-            </a:extLst>
-          </p:cNvPr>
-          <p:cNvSpPr txBox="1"/>
-          <p:nvPr/>
-        </p:nvSpPr>
-        <p:spPr>
-          <a:xfrm>
-            <a:off x="2231136" y="450574"/>
-            <a:ext cx="4439478" cy="523220"/>
-          </a:xfrm>
-          <a:prstGeom prst="rect">
-            <a:avLst/>
-          </a:prstGeom>
-          <a:noFill/>
-        </p:spPr>
-        <p:txBody>
-          <a:bodyPr wrap="square" rtlCol="0">
-            <a:spAutoFit/>
-          </a:bodyPr>
-          <a:lstStyle/>
-          <a:p>
-            <a:r>
-              <a:rPr lang="en-IN" sz="2800" dirty="0"/>
-              <a:t>Admin Dashboard</a:t>
-            </a:r>
-          </a:p>
-        </p:txBody>
-      </p:sp>
-    </p:spTree>
-    <p:extLst>
-      <p:ext uri="{BB962C8B-B14F-4D97-AF65-F5344CB8AC3E}">
-        <p14:creationId xmlns:p14="http://schemas.microsoft.com/office/powerpoint/2010/main" val="995885575"/>
-      </p:ext>
-    </p:extLst>
-  </p:cSld>
-  <p:clrMapOvr>
-    <a:masterClrMapping/>
-  </p:clrMapOvr>
-</p:sld>
-</file>
-
-<file path=ppt/slides/slide6.xml><?xml version="1.0" encoding="utf-8"?>
-<p:sld xmlns:a="http://schemas.openxmlformats.org/drawingml/2006/main" xmlns:r="http://schemas.openxmlformats.org/officeDocument/2006/relationships" xmlns:p="http://schemas.openxmlformats.org/presentationml/2006/main">
-  <p:cSld>
-    <p:spTree>
-      <p:nvGrpSpPr>
-        <p:cNvPr id="1" name=""/>
-        <p:cNvGrpSpPr/>
-        <p:nvPr/>
-      </p:nvGrpSpPr>
-      <p:grpSpPr>
-        <a:xfrm>
-          <a:off x="0" y="0"/>
-          <a:ext cx="0" cy="0"/>
-          <a:chOff x="0" y="0"/>
-          <a:chExt cx="0" cy="0"/>
-        </a:xfrm>
-      </p:grpSpPr>
-      <p:sp>
-        <p:nvSpPr>
-          <p:cNvPr id="2" name="Title 1">
-            <a:extLst>
-              <a:ext uri="{FF2B5EF4-FFF2-40B4-BE49-F238E27FC236}">
-                <a16:creationId xmlns:a16="http://schemas.microsoft.com/office/drawing/2014/main" id="{FC163ADC-122A-42E5-A01A-900501C986D3}"/>
-              </a:ext>
-            </a:extLst>
-          </p:cNvPr>
-          <p:cNvSpPr>
-            <a:spLocks noGrp="1"/>
-          </p:cNvSpPr>
-          <p:nvPr>
-            <p:ph type="title"/>
-          </p:nvPr>
-        </p:nvSpPr>
-        <p:spPr>
-          <a:xfrm>
-            <a:off x="2231136" y="2541701"/>
-            <a:ext cx="7729728" cy="1188720"/>
-          </a:xfrm>
-        </p:spPr>
-        <p:txBody>
-          <a:bodyPr/>
-          <a:lstStyle/>
-          <a:p>
-            <a:r>
-              <a:rPr lang="en-IN" dirty="0"/>
-              <a:t>Tech Stack</a:t>
-            </a:r>
-          </a:p>
-        </p:txBody>
-      </p:sp>
-    </p:spTree>
-    <p:extLst>
-      <p:ext uri="{BB962C8B-B14F-4D97-AF65-F5344CB8AC3E}">
-        <p14:creationId xmlns:p14="http://schemas.microsoft.com/office/powerpoint/2010/main" val="927718878"/>
-      </p:ext>
-    </p:extLst>
-  </p:cSld>
-  <p:clrMapOvr>
-    <a:masterClrMapping/>
-  </p:clrMapOvr>
-</p:sld>
-</file>
-
-<file path=ppt/slides/slide7.xml><?xml version="1.0" encoding="utf-8"?>
-<p:sld xmlns:a="http://schemas.openxmlformats.org/drawingml/2006/main" xmlns:r="http://schemas.openxmlformats.org/officeDocument/2006/relationships" xmlns:p="http://schemas.openxmlformats.org/presentationml/2006/main">
-  <p:cSld>
-    <p:spTree>
-      <p:nvGrpSpPr>
-        <p:cNvPr id="1" name=""/>
-        <p:cNvGrpSpPr/>
-        <p:nvPr/>
-      </p:nvGrpSpPr>
-      <p:grpSpPr>
-        <a:xfrm>
-          <a:off x="0" y="0"/>
-          <a:ext cx="0" cy="0"/>
-          <a:chOff x="0" y="0"/>
-          <a:chExt cx="0" cy="0"/>
-        </a:xfrm>
-      </p:grpSpPr>
-      <p:sp>
-        <p:nvSpPr>
-          <p:cNvPr id="4" name="Content Placeholder 2">
-            <a:extLst>
-              <a:ext uri="{FF2B5EF4-FFF2-40B4-BE49-F238E27FC236}">
-                <a16:creationId xmlns:a16="http://schemas.microsoft.com/office/drawing/2014/main" id="{AD6FE228-D11C-4C4F-96CE-AB23417A5070}"/>
-              </a:ext>
-            </a:extLst>
-          </p:cNvPr>
-          <p:cNvSpPr>
-            <a:spLocks noGrp="1"/>
-          </p:cNvSpPr>
-          <p:nvPr>
-            <p:ph idx="1"/>
-          </p:nvPr>
-        </p:nvSpPr>
-        <p:spPr>
-          <a:xfrm>
-            <a:off x="2231136" y="1537253"/>
-            <a:ext cx="7729728" cy="4454566"/>
-          </a:xfrm>
-        </p:spPr>
-        <p:txBody>
-          <a:bodyPr>
-            <a:normAutofit/>
-          </a:bodyPr>
-          <a:lstStyle/>
-          <a:p>
-            <a:r>
-              <a:rPr lang="en-IN" dirty="0"/>
-              <a:t>React </a:t>
-            </a:r>
-            <a:r>
-              <a:rPr lang="en-IN" dirty="0" err="1"/>
-              <a:t>js</a:t>
-            </a:r>
-            <a:endParaRPr lang="en-IN" dirty="0"/>
-          </a:p>
-          <a:p>
-            <a:r>
-              <a:rPr lang="en-IN" dirty="0" err="1"/>
-              <a:t>Axios</a:t>
-            </a:r>
-            <a:endParaRPr lang="en-IN" dirty="0"/>
-          </a:p>
-          <a:p>
-            <a:r>
-              <a:rPr lang="en-IN" dirty="0"/>
-              <a:t> Bootstrap</a:t>
-            </a:r>
-          </a:p>
-          <a:p>
-            <a:r>
-              <a:rPr lang="en-IN" dirty="0" err="1"/>
-              <a:t>Cdbreact</a:t>
-            </a:r>
-            <a:endParaRPr lang="en-IN" dirty="0"/>
-          </a:p>
-          <a:p>
-            <a:r>
-              <a:rPr lang="en-IN" dirty="0"/>
-              <a:t>Font-awesome</a:t>
-            </a:r>
-          </a:p>
-          <a:p>
-            <a:r>
-              <a:rPr lang="en-IN" dirty="0"/>
-              <a:t>React sweet alerts</a:t>
-            </a:r>
-          </a:p>
-          <a:p>
-            <a:r>
-              <a:rPr lang="en-IN" dirty="0"/>
-              <a:t>React router </a:t>
-            </a:r>
-            <a:r>
-              <a:rPr lang="en-IN" dirty="0" err="1"/>
-              <a:t>dom</a:t>
-            </a:r>
-            <a:endParaRPr lang="en-IN" dirty="0"/>
-          </a:p>
-          <a:p>
-            <a:r>
-              <a:rPr lang="en-IN" dirty="0"/>
-              <a:t>React hook form</a:t>
-            </a:r>
-          </a:p>
-          <a:p>
-            <a:r>
-              <a:rPr lang="en-IN" dirty="0"/>
-              <a:t>React select</a:t>
-            </a:r>
-          </a:p>
-        </p:txBody>
-      </p:sp>
-      <p:sp>
-        <p:nvSpPr>
-          <p:cNvPr id="5" name="TextBox 4">
-            <a:extLst>
-              <a:ext uri="{FF2B5EF4-FFF2-40B4-BE49-F238E27FC236}">
-                <a16:creationId xmlns:a16="http://schemas.microsoft.com/office/drawing/2014/main" id="{1001E819-A885-4900-BE37-4F8DD4982CAB}"/>
-              </a:ext>
-            </a:extLst>
-          </p:cNvPr>
-          <p:cNvSpPr txBox="1"/>
-          <p:nvPr/>
-        </p:nvSpPr>
-        <p:spPr>
-          <a:xfrm>
-            <a:off x="2231136" y="450574"/>
-            <a:ext cx="4439478" cy="523220"/>
-          </a:xfrm>
-          <a:prstGeom prst="rect">
-            <a:avLst/>
-          </a:prstGeom>
-          <a:noFill/>
-        </p:spPr>
-        <p:txBody>
-          <a:bodyPr wrap="square" rtlCol="0">
-            <a:spAutoFit/>
-          </a:bodyPr>
-          <a:lstStyle/>
-          <a:p>
-            <a:r>
-              <a:rPr lang="en-IN" sz="2800" dirty="0"/>
-              <a:t>Frontend</a:t>
-            </a:r>
-          </a:p>
-        </p:txBody>
-      </p:sp>
-    </p:spTree>
-    <p:extLst>
-      <p:ext uri="{BB962C8B-B14F-4D97-AF65-F5344CB8AC3E}">
-        <p14:creationId xmlns:p14="http://schemas.microsoft.com/office/powerpoint/2010/main" val="1298868954"/>
-      </p:ext>
-    </p:extLst>
-  </p:cSld>
-  <p:clrMapOvr>
-    <a:masterClrMapping/>
-  </p:clrMapOvr>
-</p:sld>
-</file>
-
-<file path=ppt/slides/slide8.xml><?xml version="1.0" encoding="utf-8"?>
-<p:sld xmlns:a="http://schemas.openxmlformats.org/drawingml/2006/main" xmlns:r="http://schemas.openxmlformats.org/officeDocument/2006/relationships" xmlns:p="http://schemas.openxmlformats.org/presentationml/2006/main">
-  <p:cSld>
-    <p:spTree>
-      <p:nvGrpSpPr>
-        <p:cNvPr id="1" name=""/>
-        <p:cNvGrpSpPr/>
-        <p:nvPr/>
-      </p:nvGrpSpPr>
-      <p:grpSpPr>
-        <a:xfrm>
-          <a:off x="0" y="0"/>
-          <a:ext cx="0" cy="0"/>
-          <a:chOff x="0" y="0"/>
-          <a:chExt cx="0" cy="0"/>
-        </a:xfrm>
-      </p:grpSpPr>
-      <p:sp>
-        <p:nvSpPr>
-          <p:cNvPr id="4" name="Content Placeholder 2">
-            <a:extLst>
-              <a:ext uri="{FF2B5EF4-FFF2-40B4-BE49-F238E27FC236}">
-                <a16:creationId xmlns:a16="http://schemas.microsoft.com/office/drawing/2014/main" id="{5FC359DF-1CAD-4B88-9063-2E21CB93FBCB}"/>
-              </a:ext>
-            </a:extLst>
-          </p:cNvPr>
-          <p:cNvSpPr>
-            <a:spLocks noGrp="1"/>
-          </p:cNvSpPr>
-          <p:nvPr>
-            <p:ph idx="1"/>
-          </p:nvPr>
-        </p:nvSpPr>
-        <p:spPr>
-          <a:xfrm>
-            <a:off x="2231136" y="1537253"/>
-            <a:ext cx="7729728" cy="4454566"/>
-          </a:xfrm>
-        </p:spPr>
-        <p:txBody>
-          <a:bodyPr>
-            <a:normAutofit/>
-          </a:bodyPr>
-          <a:lstStyle/>
-          <a:p>
-            <a:r>
-              <a:rPr lang="en-IN" dirty="0"/>
-              <a:t>Spring Boot</a:t>
-            </a:r>
-          </a:p>
-          <a:p>
-            <a:r>
-              <a:rPr lang="en-IN" dirty="0"/>
-              <a:t>My SQL Database</a:t>
-            </a:r>
-          </a:p>
-          <a:p>
-            <a:r>
-              <a:rPr lang="en-IN" dirty="0"/>
-              <a:t> Spring Test</a:t>
-            </a:r>
-          </a:p>
-        </p:txBody>
-      </p:sp>
-      <p:sp>
-        <p:nvSpPr>
-          <p:cNvPr id="5" name="TextBox 4">
-            <a:extLst>
-              <a:ext uri="{FF2B5EF4-FFF2-40B4-BE49-F238E27FC236}">
-                <a16:creationId xmlns:a16="http://schemas.microsoft.com/office/drawing/2014/main" id="{C1E269BB-6CA2-4BC8-95C8-021BD50D8221}"/>
-              </a:ext>
-            </a:extLst>
-          </p:cNvPr>
-          <p:cNvSpPr txBox="1"/>
-          <p:nvPr/>
-        </p:nvSpPr>
-        <p:spPr>
-          <a:xfrm>
-            <a:off x="2231136" y="450574"/>
-            <a:ext cx="4439478" cy="523220"/>
-          </a:xfrm>
-          <a:prstGeom prst="rect">
-            <a:avLst/>
-          </a:prstGeom>
-          <a:noFill/>
-        </p:spPr>
-        <p:txBody>
-          <a:bodyPr wrap="square" rtlCol="0">
-            <a:spAutoFit/>
-          </a:bodyPr>
-          <a:lstStyle/>
-          <a:p>
-            <a:r>
-              <a:rPr lang="en-IN" sz="2800" dirty="0"/>
-              <a:t>Backend</a:t>
-            </a:r>
-          </a:p>
-        </p:txBody>
-      </p:sp>
-    </p:spTree>
-    <p:extLst>
-      <p:ext uri="{BB962C8B-B14F-4D97-AF65-F5344CB8AC3E}">
-        <p14:creationId xmlns:p14="http://schemas.microsoft.com/office/powerpoint/2010/main" val="1378818632"/>
-      </p:ext>
-    </p:extLst>
-  </p:cSld>
-  <p:clrMapOvr>
-    <a:masterClrMapping/>
-  </p:clrMapOvr>
-</p:sld>
-</file>
-
-<file path=ppt/slides/slide9.xml><?xml version="1.0" encoding="utf-8"?>
-<p:sld xmlns:a="http://schemas.openxmlformats.org/drawingml/2006/main" xmlns:r="http://schemas.openxmlformats.org/officeDocument/2006/relationships" xmlns:p="http://schemas.openxmlformats.org/presentationml/2006/main">
-  <p:cSld>
-    <p:spTree>
-      <p:nvGrpSpPr>
-        <p:cNvPr id="1" name=""/>
-        <p:cNvGrpSpPr/>
-        <p:nvPr/>
-      </p:nvGrpSpPr>
-      <p:grpSpPr>
-        <a:xfrm>
-          <a:off x="0" y="0"/>
-          <a:ext cx="0" cy="0"/>
-          <a:chOff x="0" y="0"/>
-          <a:chExt cx="0" cy="0"/>
-        </a:xfrm>
-      </p:grpSpPr>
-      <p:sp>
-        <p:nvSpPr>
-          <p:cNvPr id="2" name="Title 1">
-            <a:extLst>
-              <a:ext uri="{FF2B5EF4-FFF2-40B4-BE49-F238E27FC236}">
-                <a16:creationId xmlns:a16="http://schemas.microsoft.com/office/drawing/2014/main" id="{6E55D36B-4FE3-426C-AD93-8A7D95086E30}"/>
-              </a:ext>
-            </a:extLst>
-          </p:cNvPr>
-          <p:cNvSpPr>
-            <a:spLocks noGrp="1"/>
-          </p:cNvSpPr>
-          <p:nvPr>
-            <p:ph type="title"/>
-          </p:nvPr>
-        </p:nvSpPr>
-        <p:spPr>
-          <a:xfrm>
-            <a:off x="2231136" y="2240280"/>
-            <a:ext cx="7729728" cy="1188720"/>
-          </a:xfrm>
-        </p:spPr>
-        <p:txBody>
-          <a:bodyPr/>
-          <a:lstStyle/>
-          <a:p>
-            <a:r>
-              <a:rPr lang="en-IN" dirty="0" err="1"/>
-              <a:t>Uml</a:t>
-            </a:r>
-            <a:r>
-              <a:rPr lang="en-IN" dirty="0"/>
-              <a:t> Diagram</a:t>
-            </a:r>
-          </a:p>
-        </p:txBody>
-      </p:sp>
-    </p:spTree>
-    <p:extLst>
-      <p:ext uri="{BB962C8B-B14F-4D97-AF65-F5344CB8AC3E}">
-        <p14:creationId xmlns:p14="http://schemas.microsoft.com/office/powerpoint/2010/main" val="3190659297"/>
       </p:ext>
     </p:extLst>
   </p:cSld>
